--- a/make_presentation/templates/templates/classic/_40.pptx
+++ b/make_presentation/templates/templates/classic/_40.pptx
@@ -331,7 +331,7 @@
             <a:pPr algn="r">
               <a:buNone/>
             </a:pPr>
-            <a:fld id="{02B599E9-D2E5-4EE4-9E6C-72D2BA183C2F}" type="slidenum">
+            <a:fld id="{5F81F8B2-47A2-4EEF-A887-1995CF4F7957}" type="slidenum">
               <a:rPr b="0" lang="en-US" sz="1400" spc="-1" strike="noStrike">
                 <a:latin typeface="Times New Roman"/>
               </a:rPr>
@@ -379,7 +379,7 @@
         <p:spPr>
           <a:xfrm>
             <a:off x="380880" y="685800"/>
-            <a:ext cx="6090840" cy="3423960"/>
+            <a:ext cx="6090480" cy="3423600"/>
           </a:xfrm>
           <a:prstGeom prst="rect">
             <a:avLst/>
@@ -402,7 +402,7 @@
         <p:spPr>
           <a:xfrm>
             <a:off x="685800" y="4343400"/>
-            <a:ext cx="5481360" cy="4109760"/>
+            <a:ext cx="5481000" cy="4109400"/>
           </a:xfrm>
           <a:prstGeom prst="rect">
             <a:avLst/>
@@ -436,7 +436,7 @@
         <p:spPr>
           <a:xfrm>
             <a:off x="3884760" y="8685360"/>
-            <a:ext cx="2966760" cy="452160"/>
+            <a:ext cx="2966400" cy="451800"/>
           </a:xfrm>
           <a:prstGeom prst="rect">
             <a:avLst/>
@@ -472,7 +472,7 @@
               </a:lnSpc>
               <a:buNone/>
             </a:pPr>
-            <a:fld id="{6D10786B-23FE-43ED-A198-16839D2678A6}" type="slidenum">
+            <a:fld id="{E4BF1891-F89D-46A2-BD50-2929DFDF487E}" type="slidenum">
               <a:rPr b="0" lang="en-US" sz="1200" spc="-1" strike="noStrike">
                 <a:solidFill>
                   <a:srgbClr val="000000"/>
@@ -523,7 +523,7 @@
         <p:spPr>
           <a:xfrm>
             <a:off x="380880" y="685800"/>
-            <a:ext cx="6090840" cy="3423960"/>
+            <a:ext cx="6090480" cy="3423600"/>
           </a:xfrm>
           <a:prstGeom prst="rect">
             <a:avLst/>
@@ -546,7 +546,7 @@
         <p:spPr>
           <a:xfrm>
             <a:off x="685800" y="4343400"/>
-            <a:ext cx="5481360" cy="4109760"/>
+            <a:ext cx="5481000" cy="4109400"/>
           </a:xfrm>
           <a:prstGeom prst="rect">
             <a:avLst/>
@@ -580,7 +580,7 @@
         <p:spPr>
           <a:xfrm>
             <a:off x="3884760" y="8685360"/>
-            <a:ext cx="2966760" cy="452160"/>
+            <a:ext cx="2966400" cy="451800"/>
           </a:xfrm>
           <a:prstGeom prst="rect">
             <a:avLst/>
@@ -616,7 +616,7 @@
               </a:lnSpc>
               <a:buNone/>
             </a:pPr>
-            <a:fld id="{46099483-E1A6-4C66-A6D7-BCF95AF04570}" type="slidenum">
+            <a:fld id="{1046AF02-057F-4068-B9F1-9A7BE04A5D64}" type="slidenum">
               <a:rPr b="0" lang="en-US" sz="1200" spc="-1" strike="noStrike">
                 <a:solidFill>
                   <a:srgbClr val="000000"/>
@@ -667,7 +667,7 @@
         <p:spPr>
           <a:xfrm>
             <a:off x="380880" y="685800"/>
-            <a:ext cx="6090840" cy="3423960"/>
+            <a:ext cx="6090480" cy="3423600"/>
           </a:xfrm>
           <a:prstGeom prst="rect">
             <a:avLst/>
@@ -690,7 +690,7 @@
         <p:spPr>
           <a:xfrm>
             <a:off x="685800" y="4343400"/>
-            <a:ext cx="5481360" cy="4109760"/>
+            <a:ext cx="5481000" cy="4109400"/>
           </a:xfrm>
           <a:prstGeom prst="rect">
             <a:avLst/>
@@ -724,7 +724,7 @@
         <p:spPr>
           <a:xfrm>
             <a:off x="3884760" y="8685360"/>
-            <a:ext cx="2966760" cy="452160"/>
+            <a:ext cx="2966400" cy="451800"/>
           </a:xfrm>
           <a:prstGeom prst="rect">
             <a:avLst/>
@@ -760,7 +760,7 @@
               </a:lnSpc>
               <a:buNone/>
             </a:pPr>
-            <a:fld id="{08705F4F-108D-4A27-9F60-7541EBB2FA08}" type="slidenum">
+            <a:fld id="{C6FCCECB-D40A-4FD5-AB3B-E5E50310C06D}" type="slidenum">
               <a:rPr b="0" lang="en-US" sz="1200" spc="-1" strike="noStrike">
                 <a:solidFill>
                   <a:srgbClr val="000000"/>
@@ -811,7 +811,7 @@
         <p:spPr>
           <a:xfrm>
             <a:off x="380880" y="685800"/>
-            <a:ext cx="6090840" cy="3423960"/>
+            <a:ext cx="6090480" cy="3423600"/>
           </a:xfrm>
           <a:prstGeom prst="rect">
             <a:avLst/>
@@ -834,7 +834,7 @@
         <p:spPr>
           <a:xfrm>
             <a:off x="685800" y="4343400"/>
-            <a:ext cx="5481360" cy="4109760"/>
+            <a:ext cx="5481000" cy="4109400"/>
           </a:xfrm>
           <a:prstGeom prst="rect">
             <a:avLst/>
@@ -868,7 +868,7 @@
         <p:spPr>
           <a:xfrm>
             <a:off x="3884760" y="8685360"/>
-            <a:ext cx="2966760" cy="452160"/>
+            <a:ext cx="2966400" cy="451800"/>
           </a:xfrm>
           <a:prstGeom prst="rect">
             <a:avLst/>
@@ -904,7 +904,7 @@
               </a:lnSpc>
               <a:buNone/>
             </a:pPr>
-            <a:fld id="{247BCC78-96E4-480B-A5B7-0650A2F672D0}" type="slidenum">
+            <a:fld id="{224A2037-8197-4F85-9AF6-39A8F75AA794}" type="slidenum">
               <a:rPr b="0" lang="en-US" sz="1200" spc="-1" strike="noStrike">
                 <a:solidFill>
                   <a:srgbClr val="000000"/>
@@ -955,7 +955,7 @@
         <p:spPr>
           <a:xfrm>
             <a:off x="380880" y="685800"/>
-            <a:ext cx="6090840" cy="3423960"/>
+            <a:ext cx="6090480" cy="3423600"/>
           </a:xfrm>
           <a:prstGeom prst="rect">
             <a:avLst/>
@@ -978,7 +978,7 @@
         <p:spPr>
           <a:xfrm>
             <a:off x="685800" y="4343400"/>
-            <a:ext cx="5481360" cy="4109760"/>
+            <a:ext cx="5481000" cy="4109400"/>
           </a:xfrm>
           <a:prstGeom prst="rect">
             <a:avLst/>
@@ -1012,7 +1012,7 @@
         <p:spPr>
           <a:xfrm>
             <a:off x="3884760" y="8685360"/>
-            <a:ext cx="2966760" cy="452160"/>
+            <a:ext cx="2966400" cy="451800"/>
           </a:xfrm>
           <a:prstGeom prst="rect">
             <a:avLst/>
@@ -1048,7 +1048,7 @@
               </a:lnSpc>
               <a:buNone/>
             </a:pPr>
-            <a:fld id="{D5DD3735-E381-4CE9-96AE-35E1B7F91148}" type="slidenum">
+            <a:fld id="{1CFBD401-AFD4-4502-A8C6-650535F3E73E}" type="slidenum">
               <a:rPr b="0" lang="en-US" sz="1200" spc="-1" strike="noStrike">
                 <a:solidFill>
                   <a:srgbClr val="000000"/>
@@ -1099,7 +1099,7 @@
         <p:spPr>
           <a:xfrm>
             <a:off x="380880" y="685800"/>
-            <a:ext cx="6090840" cy="3423960"/>
+            <a:ext cx="6090480" cy="3423600"/>
           </a:xfrm>
           <a:prstGeom prst="rect">
             <a:avLst/>
@@ -1122,7 +1122,7 @@
         <p:spPr>
           <a:xfrm>
             <a:off x="685800" y="4343400"/>
-            <a:ext cx="5481360" cy="4109760"/>
+            <a:ext cx="5481000" cy="4109400"/>
           </a:xfrm>
           <a:prstGeom prst="rect">
             <a:avLst/>
@@ -1156,7 +1156,7 @@
         <p:spPr>
           <a:xfrm>
             <a:off x="3884760" y="8685360"/>
-            <a:ext cx="2966760" cy="452160"/>
+            <a:ext cx="2966400" cy="451800"/>
           </a:xfrm>
           <a:prstGeom prst="rect">
             <a:avLst/>
@@ -1192,7 +1192,7 @@
               </a:lnSpc>
               <a:buNone/>
             </a:pPr>
-            <a:fld id="{7BC7E40F-8921-4D45-8917-3886C384F96A}" type="slidenum">
+            <a:fld id="{DF469EFD-9462-4DFD-8FE9-E5731FB34A05}" type="slidenum">
               <a:rPr b="0" lang="en-US" sz="1200" spc="-1" strike="noStrike">
                 <a:solidFill>
                   <a:srgbClr val="000000"/>
@@ -1243,7 +1243,7 @@
         <p:spPr>
           <a:xfrm>
             <a:off x="380880" y="685800"/>
-            <a:ext cx="6090840" cy="3423960"/>
+            <a:ext cx="6090480" cy="3423600"/>
           </a:xfrm>
           <a:prstGeom prst="rect">
             <a:avLst/>
@@ -1266,7 +1266,7 @@
         <p:spPr>
           <a:xfrm>
             <a:off x="685800" y="4343400"/>
-            <a:ext cx="5481360" cy="4109760"/>
+            <a:ext cx="5481000" cy="4109400"/>
           </a:xfrm>
           <a:prstGeom prst="rect">
             <a:avLst/>
@@ -1300,7 +1300,7 @@
         <p:spPr>
           <a:xfrm>
             <a:off x="3884760" y="8685360"/>
-            <a:ext cx="2966760" cy="452160"/>
+            <a:ext cx="2966400" cy="451800"/>
           </a:xfrm>
           <a:prstGeom prst="rect">
             <a:avLst/>
@@ -1336,7 +1336,7 @@
               </a:lnSpc>
               <a:buNone/>
             </a:pPr>
-            <a:fld id="{0247E9D5-2CE7-468D-A813-22370C398AD1}" type="slidenum">
+            <a:fld id="{81C38FA2-20A4-4709-A3E2-0A3536628293}" type="slidenum">
               <a:rPr b="0" lang="en-US" sz="1200" spc="-1" strike="noStrike">
                 <a:solidFill>
                   <a:srgbClr val="000000"/>
@@ -1387,7 +1387,7 @@
         <p:spPr>
           <a:xfrm>
             <a:off x="380880" y="685800"/>
-            <a:ext cx="6090840" cy="3423960"/>
+            <a:ext cx="6090480" cy="3423600"/>
           </a:xfrm>
           <a:prstGeom prst="rect">
             <a:avLst/>
@@ -1410,7 +1410,7 @@
         <p:spPr>
           <a:xfrm>
             <a:off x="685800" y="4343400"/>
-            <a:ext cx="5481360" cy="4109760"/>
+            <a:ext cx="5481000" cy="4109400"/>
           </a:xfrm>
           <a:prstGeom prst="rect">
             <a:avLst/>
@@ -1444,7 +1444,7 @@
         <p:spPr>
           <a:xfrm>
             <a:off x="3884760" y="8685360"/>
-            <a:ext cx="2966760" cy="452160"/>
+            <a:ext cx="2966400" cy="451800"/>
           </a:xfrm>
           <a:prstGeom prst="rect">
             <a:avLst/>
@@ -1480,7 +1480,7 @@
               </a:lnSpc>
               <a:buNone/>
             </a:pPr>
-            <a:fld id="{E93F7871-8A4F-43B9-A443-2CC9ED1F1EEC}" type="slidenum">
+            <a:fld id="{6C8C99B5-A2FA-4DC8-825A-0CB222F1C937}" type="slidenum">
               <a:rPr b="0" lang="en-US" sz="1200" spc="-1" strike="noStrike">
                 <a:solidFill>
                   <a:srgbClr val="000000"/>
@@ -1531,7 +1531,7 @@
         <p:spPr>
           <a:xfrm>
             <a:off x="380880" y="685800"/>
-            <a:ext cx="6090840" cy="3423960"/>
+            <a:ext cx="6090480" cy="3423600"/>
           </a:xfrm>
           <a:prstGeom prst="rect">
             <a:avLst/>
@@ -1554,7 +1554,7 @@
         <p:spPr>
           <a:xfrm>
             <a:off x="685800" y="4343400"/>
-            <a:ext cx="5481360" cy="4109760"/>
+            <a:ext cx="5481000" cy="4109400"/>
           </a:xfrm>
           <a:prstGeom prst="rect">
             <a:avLst/>
@@ -1588,7 +1588,7 @@
         <p:spPr>
           <a:xfrm>
             <a:off x="3884760" y="8685360"/>
-            <a:ext cx="2966760" cy="452160"/>
+            <a:ext cx="2966400" cy="451800"/>
           </a:xfrm>
           <a:prstGeom prst="rect">
             <a:avLst/>
@@ -1624,7 +1624,7 @@
               </a:lnSpc>
               <a:buNone/>
             </a:pPr>
-            <a:fld id="{77F5D1D4-225A-4D39-A5B0-B5B7FD94ADCF}" type="slidenum">
+            <a:fld id="{FF7EC49D-8D46-408E-B2B2-B5EF21CD0ECD}" type="slidenum">
               <a:rPr b="0" lang="en-US" sz="1200" spc="-1" strike="noStrike">
                 <a:solidFill>
                   <a:srgbClr val="000000"/>
@@ -1675,7 +1675,7 @@
         <p:spPr>
           <a:xfrm>
             <a:off x="380880" y="685800"/>
-            <a:ext cx="6090840" cy="3423960"/>
+            <a:ext cx="6090480" cy="3423600"/>
           </a:xfrm>
           <a:prstGeom prst="rect">
             <a:avLst/>
@@ -1698,7 +1698,7 @@
         <p:spPr>
           <a:xfrm>
             <a:off x="685800" y="4343400"/>
-            <a:ext cx="5481360" cy="4109760"/>
+            <a:ext cx="5481000" cy="4109400"/>
           </a:xfrm>
           <a:prstGeom prst="rect">
             <a:avLst/>
@@ -1732,7 +1732,7 @@
         <p:spPr>
           <a:xfrm>
             <a:off x="3884760" y="8685360"/>
-            <a:ext cx="2966760" cy="452160"/>
+            <a:ext cx="2966400" cy="451800"/>
           </a:xfrm>
           <a:prstGeom prst="rect">
             <a:avLst/>
@@ -1768,7 +1768,7 @@
               </a:lnSpc>
               <a:buNone/>
             </a:pPr>
-            <a:fld id="{ABB59F3C-C1F7-4D27-ACE6-74D88815551E}" type="slidenum">
+            <a:fld id="{6F4EB17D-E550-4728-94BD-5E0F94866777}" type="slidenum">
               <a:rPr b="0" lang="en-US" sz="1200" spc="-1" strike="noStrike">
                 <a:solidFill>
                   <a:srgbClr val="000000"/>
@@ -1819,7 +1819,7 @@
         <p:spPr>
           <a:xfrm>
             <a:off x="380880" y="685800"/>
-            <a:ext cx="6090840" cy="3423960"/>
+            <a:ext cx="6090480" cy="3423600"/>
           </a:xfrm>
           <a:prstGeom prst="rect">
             <a:avLst/>
@@ -1842,7 +1842,7 @@
         <p:spPr>
           <a:xfrm>
             <a:off x="685800" y="4343400"/>
-            <a:ext cx="5481360" cy="4109760"/>
+            <a:ext cx="5481000" cy="4109400"/>
           </a:xfrm>
           <a:prstGeom prst="rect">
             <a:avLst/>
@@ -1876,7 +1876,7 @@
         <p:spPr>
           <a:xfrm>
             <a:off x="3884760" y="8685360"/>
-            <a:ext cx="2966760" cy="452160"/>
+            <a:ext cx="2966400" cy="451800"/>
           </a:xfrm>
           <a:prstGeom prst="rect">
             <a:avLst/>
@@ -1912,7 +1912,7 @@
               </a:lnSpc>
               <a:buNone/>
             </a:pPr>
-            <a:fld id="{AFD5E3A6-C7C5-47F7-B682-09AA2F34FA6F}" type="slidenum">
+            <a:fld id="{FC8CB051-F34E-451D-93E0-226E139107EE}" type="slidenum">
               <a:rPr b="0" lang="en-US" sz="1200" spc="-1" strike="noStrike">
                 <a:solidFill>
                   <a:srgbClr val="000000"/>
@@ -1963,7 +1963,7 @@
         <p:spPr>
           <a:xfrm>
             <a:off x="380880" y="685800"/>
-            <a:ext cx="6090840" cy="3423960"/>
+            <a:ext cx="6090480" cy="3423600"/>
           </a:xfrm>
           <a:prstGeom prst="rect">
             <a:avLst/>
@@ -1986,7 +1986,7 @@
         <p:spPr>
           <a:xfrm>
             <a:off x="685800" y="4343400"/>
-            <a:ext cx="5481360" cy="4109760"/>
+            <a:ext cx="5481000" cy="4109400"/>
           </a:xfrm>
           <a:prstGeom prst="rect">
             <a:avLst/>
@@ -2020,7 +2020,7 @@
         <p:spPr>
           <a:xfrm>
             <a:off x="3884760" y="8685360"/>
-            <a:ext cx="2966760" cy="452160"/>
+            <a:ext cx="2966400" cy="451800"/>
           </a:xfrm>
           <a:prstGeom prst="rect">
             <a:avLst/>
@@ -2056,7 +2056,7 @@
               </a:lnSpc>
               <a:buNone/>
             </a:pPr>
-            <a:fld id="{CE6C32A3-C170-45FE-9B51-FA372DCA5209}" type="slidenum">
+            <a:fld id="{B091C608-DB48-4981-B139-C27927664107}" type="slidenum">
               <a:rPr b="0" lang="en-US" sz="1200" spc="-1" strike="noStrike">
                 <a:solidFill>
                   <a:srgbClr val="000000"/>
@@ -2107,7 +2107,7 @@
         <p:spPr>
           <a:xfrm>
             <a:off x="380880" y="685800"/>
-            <a:ext cx="6090840" cy="3423960"/>
+            <a:ext cx="6090480" cy="3423600"/>
           </a:xfrm>
           <a:prstGeom prst="rect">
             <a:avLst/>
@@ -2130,7 +2130,7 @@
         <p:spPr>
           <a:xfrm>
             <a:off x="685800" y="4343400"/>
-            <a:ext cx="5481360" cy="4109760"/>
+            <a:ext cx="5481000" cy="4109400"/>
           </a:xfrm>
           <a:prstGeom prst="rect">
             <a:avLst/>
@@ -2164,7 +2164,7 @@
         <p:spPr>
           <a:xfrm>
             <a:off x="3884760" y="8685360"/>
-            <a:ext cx="2966760" cy="452160"/>
+            <a:ext cx="2966400" cy="451800"/>
           </a:xfrm>
           <a:prstGeom prst="rect">
             <a:avLst/>
@@ -2200,7 +2200,7 @@
               </a:lnSpc>
               <a:buNone/>
             </a:pPr>
-            <a:fld id="{6AF9321F-A884-40F7-8B56-D9F9F0F1B046}" type="slidenum">
+            <a:fld id="{FD0DA17B-3129-44AF-B7BF-57AA301FA478}" type="slidenum">
               <a:rPr b="0" lang="en-US" sz="1200" spc="-1" strike="noStrike">
                 <a:solidFill>
                   <a:srgbClr val="000000"/>
@@ -2251,7 +2251,7 @@
         <p:spPr>
           <a:xfrm>
             <a:off x="380880" y="685800"/>
-            <a:ext cx="6090840" cy="3423960"/>
+            <a:ext cx="6090480" cy="3423600"/>
           </a:xfrm>
           <a:prstGeom prst="rect">
             <a:avLst/>
@@ -2274,7 +2274,7 @@
         <p:spPr>
           <a:xfrm>
             <a:off x="685800" y="4343400"/>
-            <a:ext cx="5481360" cy="4109760"/>
+            <a:ext cx="5481000" cy="4109400"/>
           </a:xfrm>
           <a:prstGeom prst="rect">
             <a:avLst/>
@@ -2308,7 +2308,7 @@
         <p:spPr>
           <a:xfrm>
             <a:off x="3884760" y="8685360"/>
-            <a:ext cx="2966760" cy="452160"/>
+            <a:ext cx="2966400" cy="451800"/>
           </a:xfrm>
           <a:prstGeom prst="rect">
             <a:avLst/>
@@ -2344,7 +2344,7 @@
               </a:lnSpc>
               <a:buNone/>
             </a:pPr>
-            <a:fld id="{60CA168F-B0B0-4959-B79A-C07887BA2725}" type="slidenum">
+            <a:fld id="{0DDAD5F6-5207-4439-9F27-157C115AA733}" type="slidenum">
               <a:rPr b="0" lang="en-US" sz="1200" spc="-1" strike="noStrike">
                 <a:solidFill>
                   <a:srgbClr val="000000"/>
@@ -2395,7 +2395,7 @@
         <p:spPr>
           <a:xfrm>
             <a:off x="380880" y="685800"/>
-            <a:ext cx="6090840" cy="3423960"/>
+            <a:ext cx="6090480" cy="3423600"/>
           </a:xfrm>
           <a:prstGeom prst="rect">
             <a:avLst/>
@@ -2418,7 +2418,7 @@
         <p:spPr>
           <a:xfrm>
             <a:off x="685800" y="4343400"/>
-            <a:ext cx="5481360" cy="4109760"/>
+            <a:ext cx="5481000" cy="4109400"/>
           </a:xfrm>
           <a:prstGeom prst="rect">
             <a:avLst/>
@@ -2452,7 +2452,7 @@
         <p:spPr>
           <a:xfrm>
             <a:off x="3884760" y="8685360"/>
-            <a:ext cx="2966760" cy="452160"/>
+            <a:ext cx="2966400" cy="451800"/>
           </a:xfrm>
           <a:prstGeom prst="rect">
             <a:avLst/>
@@ -2488,7 +2488,7 @@
               </a:lnSpc>
               <a:buNone/>
             </a:pPr>
-            <a:fld id="{EBE2C2AB-CDD7-4492-8C12-D98A96374C06}" type="slidenum">
+            <a:fld id="{D2021FD8-2002-4A8A-8DF5-A4D8340E8976}" type="slidenum">
               <a:rPr b="0" lang="en-US" sz="1200" spc="-1" strike="noStrike">
                 <a:solidFill>
                   <a:srgbClr val="000000"/>
@@ -2539,7 +2539,7 @@
         <p:spPr>
           <a:xfrm>
             <a:off x="380880" y="685800"/>
-            <a:ext cx="6090840" cy="3423960"/>
+            <a:ext cx="6090480" cy="3423600"/>
           </a:xfrm>
           <a:prstGeom prst="rect">
             <a:avLst/>
@@ -2562,7 +2562,7 @@
         <p:spPr>
           <a:xfrm>
             <a:off x="685800" y="4343400"/>
-            <a:ext cx="5481360" cy="4109760"/>
+            <a:ext cx="5481000" cy="4109400"/>
           </a:xfrm>
           <a:prstGeom prst="rect">
             <a:avLst/>
@@ -2596,7 +2596,7 @@
         <p:spPr>
           <a:xfrm>
             <a:off x="3884760" y="8685360"/>
-            <a:ext cx="2966760" cy="452160"/>
+            <a:ext cx="2966400" cy="451800"/>
           </a:xfrm>
           <a:prstGeom prst="rect">
             <a:avLst/>
@@ -2632,7 +2632,7 @@
               </a:lnSpc>
               <a:buNone/>
             </a:pPr>
-            <a:fld id="{987EDE6F-730B-4121-BF06-97605011D2EE}" type="slidenum">
+            <a:fld id="{69B80351-5479-4BA9-8160-9AAB86C65493}" type="slidenum">
               <a:rPr b="0" lang="en-US" sz="1200" spc="-1" strike="noStrike">
                 <a:solidFill>
                   <a:srgbClr val="000000"/>
@@ -2683,7 +2683,7 @@
         <p:spPr>
           <a:xfrm>
             <a:off x="380880" y="685800"/>
-            <a:ext cx="6090840" cy="3423960"/>
+            <a:ext cx="6090480" cy="3423600"/>
           </a:xfrm>
           <a:prstGeom prst="rect">
             <a:avLst/>
@@ -2706,7 +2706,7 @@
         <p:spPr>
           <a:xfrm>
             <a:off x="685800" y="4343400"/>
-            <a:ext cx="5481360" cy="4109760"/>
+            <a:ext cx="5481000" cy="4109400"/>
           </a:xfrm>
           <a:prstGeom prst="rect">
             <a:avLst/>
@@ -2740,7 +2740,7 @@
         <p:spPr>
           <a:xfrm>
             <a:off x="3884760" y="8685360"/>
-            <a:ext cx="2966760" cy="452160"/>
+            <a:ext cx="2966400" cy="451800"/>
           </a:xfrm>
           <a:prstGeom prst="rect">
             <a:avLst/>
@@ -2776,7 +2776,7 @@
               </a:lnSpc>
               <a:buNone/>
             </a:pPr>
-            <a:fld id="{8332771B-2AA2-4CDC-858D-014F15D9E059}" type="slidenum">
+            <a:fld id="{E2D80B80-9D14-4861-9CB9-A45761EE27DD}" type="slidenum">
               <a:rPr b="0" lang="en-US" sz="1200" spc="-1" strike="noStrike">
                 <a:solidFill>
                   <a:srgbClr val="000000"/>
@@ -2827,7 +2827,7 @@
         <p:spPr>
           <a:xfrm>
             <a:off x="380880" y="685800"/>
-            <a:ext cx="6090840" cy="3423960"/>
+            <a:ext cx="6090480" cy="3423600"/>
           </a:xfrm>
           <a:prstGeom prst="rect">
             <a:avLst/>
@@ -2850,7 +2850,7 @@
         <p:spPr>
           <a:xfrm>
             <a:off x="685800" y="4343400"/>
-            <a:ext cx="5481360" cy="4109760"/>
+            <a:ext cx="5481000" cy="4109400"/>
           </a:xfrm>
           <a:prstGeom prst="rect">
             <a:avLst/>
@@ -2884,7 +2884,7 @@
         <p:spPr>
           <a:xfrm>
             <a:off x="3884760" y="8685360"/>
-            <a:ext cx="2966760" cy="452160"/>
+            <a:ext cx="2966400" cy="451800"/>
           </a:xfrm>
           <a:prstGeom prst="rect">
             <a:avLst/>
@@ -2920,7 +2920,7 @@
               </a:lnSpc>
               <a:buNone/>
             </a:pPr>
-            <a:fld id="{2BDE3C44-59FE-48C1-A5B8-941C0D004EDC}" type="slidenum">
+            <a:fld id="{13FF716B-75BA-49D5-AC04-0BDC605E6DD4}" type="slidenum">
               <a:rPr b="0" lang="en-US" sz="1200" spc="-1" strike="noStrike">
                 <a:solidFill>
                   <a:srgbClr val="000000"/>
@@ -2971,7 +2971,7 @@
         <p:spPr>
           <a:xfrm>
             <a:off x="380880" y="685800"/>
-            <a:ext cx="6090840" cy="3423960"/>
+            <a:ext cx="6090480" cy="3423600"/>
           </a:xfrm>
           <a:prstGeom prst="rect">
             <a:avLst/>
@@ -2994,7 +2994,7 @@
         <p:spPr>
           <a:xfrm>
             <a:off x="685800" y="4343400"/>
-            <a:ext cx="5481360" cy="4109760"/>
+            <a:ext cx="5481000" cy="4109400"/>
           </a:xfrm>
           <a:prstGeom prst="rect">
             <a:avLst/>
@@ -3028,7 +3028,7 @@
         <p:spPr>
           <a:xfrm>
             <a:off x="3884760" y="8685360"/>
-            <a:ext cx="2966760" cy="452160"/>
+            <a:ext cx="2966400" cy="451800"/>
           </a:xfrm>
           <a:prstGeom prst="rect">
             <a:avLst/>
@@ -3064,7 +3064,7 @@
               </a:lnSpc>
               <a:buNone/>
             </a:pPr>
-            <a:fld id="{0A418A21-2B7F-4540-990F-3A9A6C76884F}" type="slidenum">
+            <a:fld id="{51AF63B1-EA20-46D6-BFD2-6272E2700609}" type="slidenum">
               <a:rPr b="0" lang="en-US" sz="1200" spc="-1" strike="noStrike">
                 <a:solidFill>
                   <a:srgbClr val="000000"/>
@@ -3115,7 +3115,7 @@
         <p:spPr>
           <a:xfrm>
             <a:off x="380880" y="685800"/>
-            <a:ext cx="6090840" cy="3423960"/>
+            <a:ext cx="6090480" cy="3423600"/>
           </a:xfrm>
           <a:prstGeom prst="rect">
             <a:avLst/>
@@ -3138,7 +3138,7 @@
         <p:spPr>
           <a:xfrm>
             <a:off x="685800" y="4343400"/>
-            <a:ext cx="5481360" cy="4109760"/>
+            <a:ext cx="5481000" cy="4109400"/>
           </a:xfrm>
           <a:prstGeom prst="rect">
             <a:avLst/>
@@ -3172,7 +3172,7 @@
         <p:spPr>
           <a:xfrm>
             <a:off x="3884760" y="8685360"/>
-            <a:ext cx="2966760" cy="452160"/>
+            <a:ext cx="2966400" cy="451800"/>
           </a:xfrm>
           <a:prstGeom prst="rect">
             <a:avLst/>
@@ -3208,7 +3208,7 @@
               </a:lnSpc>
               <a:buNone/>
             </a:pPr>
-            <a:fld id="{08993124-7616-4283-A6D4-6C9E9B89CB46}" type="slidenum">
+            <a:fld id="{2C4CAA34-4467-4C07-9A8A-20454552DD1B}" type="slidenum">
               <a:rPr b="0" lang="en-US" sz="1200" spc="-1" strike="noStrike">
                 <a:solidFill>
                   <a:srgbClr val="000000"/>
@@ -3259,7 +3259,7 @@
         <p:spPr>
           <a:xfrm>
             <a:off x="380880" y="685800"/>
-            <a:ext cx="6090840" cy="3423960"/>
+            <a:ext cx="6090480" cy="3423600"/>
           </a:xfrm>
           <a:prstGeom prst="rect">
             <a:avLst/>
@@ -3282,7 +3282,7 @@
         <p:spPr>
           <a:xfrm>
             <a:off x="685800" y="4343400"/>
-            <a:ext cx="5481360" cy="4109760"/>
+            <a:ext cx="5481000" cy="4109400"/>
           </a:xfrm>
           <a:prstGeom prst="rect">
             <a:avLst/>
@@ -3316,7 +3316,7 @@
         <p:spPr>
           <a:xfrm>
             <a:off x="3884760" y="8685360"/>
-            <a:ext cx="2966760" cy="452160"/>
+            <a:ext cx="2966400" cy="451800"/>
           </a:xfrm>
           <a:prstGeom prst="rect">
             <a:avLst/>
@@ -3352,7 +3352,7 @@
               </a:lnSpc>
               <a:buNone/>
             </a:pPr>
-            <a:fld id="{882D7A6B-2E30-4462-9F62-09ED3D0C5A42}" type="slidenum">
+            <a:fld id="{7AF01507-EA1C-41A3-BAD8-B8F64ACF71E5}" type="slidenum">
               <a:rPr b="0" lang="en-US" sz="1200" spc="-1" strike="noStrike">
                 <a:solidFill>
                   <a:srgbClr val="000000"/>
@@ -3403,7 +3403,7 @@
         <p:spPr>
           <a:xfrm>
             <a:off x="380880" y="685800"/>
-            <a:ext cx="6090840" cy="3423960"/>
+            <a:ext cx="6090480" cy="3423600"/>
           </a:xfrm>
           <a:prstGeom prst="rect">
             <a:avLst/>
@@ -3426,7 +3426,7 @@
         <p:spPr>
           <a:xfrm>
             <a:off x="685800" y="4343400"/>
-            <a:ext cx="5481360" cy="4109760"/>
+            <a:ext cx="5481000" cy="4109400"/>
           </a:xfrm>
           <a:prstGeom prst="rect">
             <a:avLst/>
@@ -3460,7 +3460,7 @@
         <p:spPr>
           <a:xfrm>
             <a:off x="3884760" y="8685360"/>
-            <a:ext cx="2966760" cy="452160"/>
+            <a:ext cx="2966400" cy="451800"/>
           </a:xfrm>
           <a:prstGeom prst="rect">
             <a:avLst/>
@@ -3496,7 +3496,7 @@
               </a:lnSpc>
               <a:buNone/>
             </a:pPr>
-            <a:fld id="{E588FC59-F991-4BE6-A9AC-C505B38F2F89}" type="slidenum">
+            <a:fld id="{0FF6EBC6-57DF-4B9E-B355-F1BB62A0937D}" type="slidenum">
               <a:rPr b="0" lang="en-US" sz="1200" spc="-1" strike="noStrike">
                 <a:solidFill>
                   <a:srgbClr val="000000"/>
@@ -3547,7 +3547,7 @@
         <p:spPr>
           <a:xfrm>
             <a:off x="380880" y="685800"/>
-            <a:ext cx="6090840" cy="3423960"/>
+            <a:ext cx="6090480" cy="3423600"/>
           </a:xfrm>
           <a:prstGeom prst="rect">
             <a:avLst/>
@@ -3570,7 +3570,7 @@
         <p:spPr>
           <a:xfrm>
             <a:off x="685800" y="4343400"/>
-            <a:ext cx="5481360" cy="4109760"/>
+            <a:ext cx="5481000" cy="4109400"/>
           </a:xfrm>
           <a:prstGeom prst="rect">
             <a:avLst/>
@@ -3604,7 +3604,7 @@
         <p:spPr>
           <a:xfrm>
             <a:off x="3884760" y="8685360"/>
-            <a:ext cx="2966760" cy="452160"/>
+            <a:ext cx="2966400" cy="451800"/>
           </a:xfrm>
           <a:prstGeom prst="rect">
             <a:avLst/>
@@ -3640,7 +3640,7 @@
               </a:lnSpc>
               <a:buNone/>
             </a:pPr>
-            <a:fld id="{7D718EDD-3776-4AA9-A056-C297C4461B55}" type="slidenum">
+            <a:fld id="{2BAA3965-30D9-4503-9C19-885E8C68E629}" type="slidenum">
               <a:rPr b="0" lang="en-US" sz="1200" spc="-1" strike="noStrike">
                 <a:solidFill>
                   <a:srgbClr val="000000"/>
@@ -3691,7 +3691,7 @@
         <p:spPr>
           <a:xfrm>
             <a:off x="380880" y="685800"/>
-            <a:ext cx="6090840" cy="3423960"/>
+            <a:ext cx="6090480" cy="3423600"/>
           </a:xfrm>
           <a:prstGeom prst="rect">
             <a:avLst/>
@@ -3714,7 +3714,7 @@
         <p:spPr>
           <a:xfrm>
             <a:off x="685800" y="4343400"/>
-            <a:ext cx="5481360" cy="4109760"/>
+            <a:ext cx="5481000" cy="4109400"/>
           </a:xfrm>
           <a:prstGeom prst="rect">
             <a:avLst/>
@@ -3748,7 +3748,7 @@
         <p:spPr>
           <a:xfrm>
             <a:off x="3884760" y="8685360"/>
-            <a:ext cx="2966760" cy="452160"/>
+            <a:ext cx="2966400" cy="451800"/>
           </a:xfrm>
           <a:prstGeom prst="rect">
             <a:avLst/>
@@ -3784,7 +3784,7 @@
               </a:lnSpc>
               <a:buNone/>
             </a:pPr>
-            <a:fld id="{6FE33FFB-6A38-4DD7-B947-A38AFEA04BC6}" type="slidenum">
+            <a:fld id="{AC361DEC-6EB0-4102-A0FC-DAB04E3504D6}" type="slidenum">
               <a:rPr b="0" lang="en-US" sz="1200" spc="-1" strike="noStrike">
                 <a:solidFill>
                   <a:srgbClr val="000000"/>
@@ -3835,7 +3835,7 @@
         <p:spPr>
           <a:xfrm>
             <a:off x="380880" y="685800"/>
-            <a:ext cx="6090840" cy="3423960"/>
+            <a:ext cx="6090480" cy="3423600"/>
           </a:xfrm>
           <a:prstGeom prst="rect">
             <a:avLst/>
@@ -3858,7 +3858,7 @@
         <p:spPr>
           <a:xfrm>
             <a:off x="685800" y="4343400"/>
-            <a:ext cx="5481360" cy="4109760"/>
+            <a:ext cx="5481000" cy="4109400"/>
           </a:xfrm>
           <a:prstGeom prst="rect">
             <a:avLst/>
@@ -3892,7 +3892,7 @@
         <p:spPr>
           <a:xfrm>
             <a:off x="3884760" y="8685360"/>
-            <a:ext cx="2966760" cy="452160"/>
+            <a:ext cx="2966400" cy="451800"/>
           </a:xfrm>
           <a:prstGeom prst="rect">
             <a:avLst/>
@@ -3928,7 +3928,7 @@
               </a:lnSpc>
               <a:buNone/>
             </a:pPr>
-            <a:fld id="{4FF694CA-4B13-4B5A-9D39-BE602CC41F66}" type="slidenum">
+            <a:fld id="{D792C7B0-EC2C-4D85-9B4A-ED190C0465CA}" type="slidenum">
               <a:rPr b="0" lang="en-US" sz="1200" spc="-1" strike="noStrike">
                 <a:solidFill>
                   <a:srgbClr val="000000"/>
@@ -3979,7 +3979,7 @@
         <p:spPr>
           <a:xfrm>
             <a:off x="380880" y="685800"/>
-            <a:ext cx="6090840" cy="3423960"/>
+            <a:ext cx="6090480" cy="3423600"/>
           </a:xfrm>
           <a:prstGeom prst="rect">
             <a:avLst/>
@@ -4002,7 +4002,7 @@
         <p:spPr>
           <a:xfrm>
             <a:off x="685800" y="4343400"/>
-            <a:ext cx="5481360" cy="4109760"/>
+            <a:ext cx="5481000" cy="4109400"/>
           </a:xfrm>
           <a:prstGeom prst="rect">
             <a:avLst/>
@@ -4036,7 +4036,7 @@
         <p:spPr>
           <a:xfrm>
             <a:off x="3884760" y="8685360"/>
-            <a:ext cx="2966760" cy="452160"/>
+            <a:ext cx="2966400" cy="451800"/>
           </a:xfrm>
           <a:prstGeom prst="rect">
             <a:avLst/>
@@ -4072,7 +4072,7 @@
               </a:lnSpc>
               <a:buNone/>
             </a:pPr>
-            <a:fld id="{2F1DF0A2-838D-4882-A611-5DC17FEF7993}" type="slidenum">
+            <a:fld id="{BBE053A0-C7EB-4F6C-AF1E-604144FA2E05}" type="slidenum">
               <a:rPr b="0" lang="en-US" sz="1200" spc="-1" strike="noStrike">
                 <a:solidFill>
                   <a:srgbClr val="000000"/>
@@ -4123,7 +4123,7 @@
         <p:spPr>
           <a:xfrm>
             <a:off x="380880" y="685800"/>
-            <a:ext cx="6090840" cy="3423960"/>
+            <a:ext cx="6090480" cy="3423600"/>
           </a:xfrm>
           <a:prstGeom prst="rect">
             <a:avLst/>
@@ -4146,7 +4146,7 @@
         <p:spPr>
           <a:xfrm>
             <a:off x="685800" y="4343400"/>
-            <a:ext cx="5481360" cy="4109760"/>
+            <a:ext cx="5481000" cy="4109400"/>
           </a:xfrm>
           <a:prstGeom prst="rect">
             <a:avLst/>
@@ -4180,7 +4180,7 @@
         <p:spPr>
           <a:xfrm>
             <a:off x="3884760" y="8685360"/>
-            <a:ext cx="2966760" cy="452160"/>
+            <a:ext cx="2966400" cy="451800"/>
           </a:xfrm>
           <a:prstGeom prst="rect">
             <a:avLst/>
@@ -4216,7 +4216,7 @@
               </a:lnSpc>
               <a:buNone/>
             </a:pPr>
-            <a:fld id="{70754854-B5ED-4BBB-B889-CD49644F39D3}" type="slidenum">
+            <a:fld id="{BC935D31-5F7C-4AF6-A033-5A22E265DE24}" type="slidenum">
               <a:rPr b="0" lang="en-US" sz="1200" spc="-1" strike="noStrike">
                 <a:solidFill>
                   <a:srgbClr val="000000"/>
@@ -4267,7 +4267,7 @@
         <p:spPr>
           <a:xfrm>
             <a:off x="380880" y="685800"/>
-            <a:ext cx="6090840" cy="3423960"/>
+            <a:ext cx="6090480" cy="3423600"/>
           </a:xfrm>
           <a:prstGeom prst="rect">
             <a:avLst/>
@@ -4290,7 +4290,7 @@
         <p:spPr>
           <a:xfrm>
             <a:off x="685800" y="4343400"/>
-            <a:ext cx="5481360" cy="4109760"/>
+            <a:ext cx="5481000" cy="4109400"/>
           </a:xfrm>
           <a:prstGeom prst="rect">
             <a:avLst/>
@@ -4324,7 +4324,7 @@
         <p:spPr>
           <a:xfrm>
             <a:off x="3884760" y="8685360"/>
-            <a:ext cx="2966760" cy="452160"/>
+            <a:ext cx="2966400" cy="451800"/>
           </a:xfrm>
           <a:prstGeom prst="rect">
             <a:avLst/>
@@ -4360,7 +4360,7 @@
               </a:lnSpc>
               <a:buNone/>
             </a:pPr>
-            <a:fld id="{55DC627E-0547-4D74-9EE9-A2BBF612B2C6}" type="slidenum">
+            <a:fld id="{7FDEB217-7339-442F-9DB9-F290424FE02D}" type="slidenum">
               <a:rPr b="0" lang="en-US" sz="1200" spc="-1" strike="noStrike">
                 <a:solidFill>
                   <a:srgbClr val="000000"/>
@@ -4411,7 +4411,7 @@
         <p:spPr>
           <a:xfrm>
             <a:off x="380880" y="685800"/>
-            <a:ext cx="6090840" cy="3423960"/>
+            <a:ext cx="6090480" cy="3423600"/>
           </a:xfrm>
           <a:prstGeom prst="rect">
             <a:avLst/>
@@ -4434,7 +4434,7 @@
         <p:spPr>
           <a:xfrm>
             <a:off x="685800" y="4343400"/>
-            <a:ext cx="5481360" cy="4109760"/>
+            <a:ext cx="5481000" cy="4109400"/>
           </a:xfrm>
           <a:prstGeom prst="rect">
             <a:avLst/>
@@ -4468,7 +4468,7 @@
         <p:spPr>
           <a:xfrm>
             <a:off x="3884760" y="8685360"/>
-            <a:ext cx="2966760" cy="452160"/>
+            <a:ext cx="2966400" cy="451800"/>
           </a:xfrm>
           <a:prstGeom prst="rect">
             <a:avLst/>
@@ -4504,7 +4504,7 @@
               </a:lnSpc>
               <a:buNone/>
             </a:pPr>
-            <a:fld id="{152BFD4C-70FC-4BD1-AB7A-4B00E4C570EE}" type="slidenum">
+            <a:fld id="{BDA30501-628D-44DE-BD7A-2E30376E0750}" type="slidenum">
               <a:rPr b="0" lang="en-US" sz="1200" spc="-1" strike="noStrike">
                 <a:solidFill>
                   <a:srgbClr val="000000"/>
@@ -4555,7 +4555,7 @@
         <p:spPr>
           <a:xfrm>
             <a:off x="380880" y="685800"/>
-            <a:ext cx="6090840" cy="3423960"/>
+            <a:ext cx="6090480" cy="3423600"/>
           </a:xfrm>
           <a:prstGeom prst="rect">
             <a:avLst/>
@@ -4578,7 +4578,7 @@
         <p:spPr>
           <a:xfrm>
             <a:off x="685800" y="4343400"/>
-            <a:ext cx="5481360" cy="4109760"/>
+            <a:ext cx="5481000" cy="4109400"/>
           </a:xfrm>
           <a:prstGeom prst="rect">
             <a:avLst/>
@@ -4612,7 +4612,7 @@
         <p:spPr>
           <a:xfrm>
             <a:off x="3884760" y="8685360"/>
-            <a:ext cx="2966760" cy="452160"/>
+            <a:ext cx="2966400" cy="451800"/>
           </a:xfrm>
           <a:prstGeom prst="rect">
             <a:avLst/>
@@ -4648,7 +4648,7 @@
               </a:lnSpc>
               <a:buNone/>
             </a:pPr>
-            <a:fld id="{76C0C8BF-32F0-416B-8F06-F2827564101E}" type="slidenum">
+            <a:fld id="{D6C2EF7A-7A7E-4922-A8F4-1368EF6310D3}" type="slidenum">
               <a:rPr b="0" lang="en-US" sz="1200" spc="-1" strike="noStrike">
                 <a:solidFill>
                   <a:srgbClr val="000000"/>
@@ -4699,7 +4699,7 @@
         <p:spPr>
           <a:xfrm>
             <a:off x="380880" y="685800"/>
-            <a:ext cx="6090840" cy="3423960"/>
+            <a:ext cx="6090480" cy="3423600"/>
           </a:xfrm>
           <a:prstGeom prst="rect">
             <a:avLst/>
@@ -4722,7 +4722,7 @@
         <p:spPr>
           <a:xfrm>
             <a:off x="685800" y="4343400"/>
-            <a:ext cx="5481360" cy="4109760"/>
+            <a:ext cx="5481000" cy="4109400"/>
           </a:xfrm>
           <a:prstGeom prst="rect">
             <a:avLst/>
@@ -4756,7 +4756,7 @@
         <p:spPr>
           <a:xfrm>
             <a:off x="3884760" y="8685360"/>
-            <a:ext cx="2966760" cy="452160"/>
+            <a:ext cx="2966400" cy="451800"/>
           </a:xfrm>
           <a:prstGeom prst="rect">
             <a:avLst/>
@@ -4792,7 +4792,7 @@
               </a:lnSpc>
               <a:buNone/>
             </a:pPr>
-            <a:fld id="{6B46FD28-329A-491C-B88E-79A51B587AC0}" type="slidenum">
+            <a:fld id="{0A41463E-A28C-42FD-AF43-AD3F04226962}" type="slidenum">
               <a:rPr b="0" lang="en-US" sz="1200" spc="-1" strike="noStrike">
                 <a:solidFill>
                   <a:srgbClr val="000000"/>
@@ -4843,7 +4843,7 @@
         <p:spPr>
           <a:xfrm>
             <a:off x="380880" y="685800"/>
-            <a:ext cx="6090840" cy="3423960"/>
+            <a:ext cx="6090480" cy="3423600"/>
           </a:xfrm>
           <a:prstGeom prst="rect">
             <a:avLst/>
@@ -4866,7 +4866,7 @@
         <p:spPr>
           <a:xfrm>
             <a:off x="685800" y="4343400"/>
-            <a:ext cx="5481360" cy="4109760"/>
+            <a:ext cx="5481000" cy="4109400"/>
           </a:xfrm>
           <a:prstGeom prst="rect">
             <a:avLst/>
@@ -4900,7 +4900,7 @@
         <p:spPr>
           <a:xfrm>
             <a:off x="3884760" y="8685360"/>
-            <a:ext cx="2966760" cy="452160"/>
+            <a:ext cx="2966400" cy="451800"/>
           </a:xfrm>
           <a:prstGeom prst="rect">
             <a:avLst/>
@@ -4936,7 +4936,7 @@
               </a:lnSpc>
               <a:buNone/>
             </a:pPr>
-            <a:fld id="{1CC2DA24-DA17-472E-AEB9-52365B38558B}" type="slidenum">
+            <a:fld id="{4F79F4CC-6FC1-4712-B5F2-F93315F3B4DA}" type="slidenum">
               <a:rPr b="0" lang="en-US" sz="1200" spc="-1" strike="noStrike">
                 <a:solidFill>
                   <a:srgbClr val="000000"/>
@@ -4987,7 +4987,7 @@
         <p:spPr>
           <a:xfrm>
             <a:off x="380880" y="685800"/>
-            <a:ext cx="6090840" cy="3423960"/>
+            <a:ext cx="6090480" cy="3423600"/>
           </a:xfrm>
           <a:prstGeom prst="rect">
             <a:avLst/>
@@ -5010,7 +5010,7 @@
         <p:spPr>
           <a:xfrm>
             <a:off x="685800" y="4343400"/>
-            <a:ext cx="5481360" cy="4109760"/>
+            <a:ext cx="5481000" cy="4109400"/>
           </a:xfrm>
           <a:prstGeom prst="rect">
             <a:avLst/>
@@ -5044,7 +5044,7 @@
         <p:spPr>
           <a:xfrm>
             <a:off x="3884760" y="8685360"/>
-            <a:ext cx="2966760" cy="452160"/>
+            <a:ext cx="2966400" cy="451800"/>
           </a:xfrm>
           <a:prstGeom prst="rect">
             <a:avLst/>
@@ -5080,7 +5080,7 @@
               </a:lnSpc>
               <a:buNone/>
             </a:pPr>
-            <a:fld id="{FF0F7433-DFEF-44A4-8052-C4FA7CD7C70A}" type="slidenum">
+            <a:fld id="{BDB38EA6-1924-4EEE-9C07-039FD3736866}" type="slidenum">
               <a:rPr b="0" lang="en-US" sz="1200" spc="-1" strike="noStrike">
                 <a:solidFill>
                   <a:srgbClr val="000000"/>
@@ -5131,7 +5131,7 @@
         <p:spPr>
           <a:xfrm>
             <a:off x="380880" y="685800"/>
-            <a:ext cx="6090840" cy="3423960"/>
+            <a:ext cx="6090480" cy="3423600"/>
           </a:xfrm>
           <a:prstGeom prst="rect">
             <a:avLst/>
@@ -5154,7 +5154,7 @@
         <p:spPr>
           <a:xfrm>
             <a:off x="685800" y="4343400"/>
-            <a:ext cx="5481360" cy="4109760"/>
+            <a:ext cx="5481000" cy="4109400"/>
           </a:xfrm>
           <a:prstGeom prst="rect">
             <a:avLst/>
@@ -5188,7 +5188,7 @@
         <p:spPr>
           <a:xfrm>
             <a:off x="3884760" y="8685360"/>
-            <a:ext cx="2966760" cy="452160"/>
+            <a:ext cx="2966400" cy="451800"/>
           </a:xfrm>
           <a:prstGeom prst="rect">
             <a:avLst/>
@@ -5224,7 +5224,7 @@
               </a:lnSpc>
               <a:buNone/>
             </a:pPr>
-            <a:fld id="{C19F3802-45FC-42EF-B158-FA53F7D6C1B3}" type="slidenum">
+            <a:fld id="{E9C3CD86-5135-45A2-B8E7-87876FAC6FD8}" type="slidenum">
               <a:rPr b="0" lang="en-US" sz="1200" spc="-1" strike="noStrike">
                 <a:solidFill>
                   <a:srgbClr val="000000"/>
@@ -5275,7 +5275,7 @@
         <p:spPr>
           <a:xfrm>
             <a:off x="380880" y="685800"/>
-            <a:ext cx="6090840" cy="3423960"/>
+            <a:ext cx="6090480" cy="3423600"/>
           </a:xfrm>
           <a:prstGeom prst="rect">
             <a:avLst/>
@@ -5298,7 +5298,7 @@
         <p:spPr>
           <a:xfrm>
             <a:off x="685800" y="4343400"/>
-            <a:ext cx="5481360" cy="4109760"/>
+            <a:ext cx="5481000" cy="4109400"/>
           </a:xfrm>
           <a:prstGeom prst="rect">
             <a:avLst/>
@@ -5332,7 +5332,7 @@
         <p:spPr>
           <a:xfrm>
             <a:off x="3884760" y="8685360"/>
-            <a:ext cx="2966760" cy="452160"/>
+            <a:ext cx="2966400" cy="451800"/>
           </a:xfrm>
           <a:prstGeom prst="rect">
             <a:avLst/>
@@ -5368,7 +5368,7 @@
               </a:lnSpc>
               <a:buNone/>
             </a:pPr>
-            <a:fld id="{F2D968F8-A2D5-46C0-A15D-D2A8A7C30AB8}" type="slidenum">
+            <a:fld id="{CFEF2B9E-395C-40D2-9BC2-367D480C7C12}" type="slidenum">
               <a:rPr b="0" lang="en-US" sz="1200" spc="-1" strike="noStrike">
                 <a:solidFill>
                   <a:srgbClr val="000000"/>
@@ -5419,7 +5419,7 @@
         <p:spPr>
           <a:xfrm>
             <a:off x="380880" y="685800"/>
-            <a:ext cx="6090840" cy="3423960"/>
+            <a:ext cx="6090480" cy="3423600"/>
           </a:xfrm>
           <a:prstGeom prst="rect">
             <a:avLst/>
@@ -5442,7 +5442,7 @@
         <p:spPr>
           <a:xfrm>
             <a:off x="685800" y="4343400"/>
-            <a:ext cx="5481360" cy="4109760"/>
+            <a:ext cx="5481000" cy="4109400"/>
           </a:xfrm>
           <a:prstGeom prst="rect">
             <a:avLst/>
@@ -5476,7 +5476,7 @@
         <p:spPr>
           <a:xfrm>
             <a:off x="3884760" y="8685360"/>
-            <a:ext cx="2966760" cy="452160"/>
+            <a:ext cx="2966400" cy="451800"/>
           </a:xfrm>
           <a:prstGeom prst="rect">
             <a:avLst/>
@@ -5512,7 +5512,7 @@
               </a:lnSpc>
               <a:buNone/>
             </a:pPr>
-            <a:fld id="{0CBD010C-E5FF-4985-863A-47FE83210265}" type="slidenum">
+            <a:fld id="{3F22CFB3-42EB-4F06-A5A5-22AB321876BA}" type="slidenum">
               <a:rPr b="0" lang="en-US" sz="1200" spc="-1" strike="noStrike">
                 <a:solidFill>
                   <a:srgbClr val="000000"/>
@@ -5563,7 +5563,7 @@
         <p:spPr>
           <a:xfrm>
             <a:off x="380880" y="685800"/>
-            <a:ext cx="6090840" cy="3423960"/>
+            <a:ext cx="6090480" cy="3423600"/>
           </a:xfrm>
           <a:prstGeom prst="rect">
             <a:avLst/>
@@ -5586,7 +5586,7 @@
         <p:spPr>
           <a:xfrm>
             <a:off x="685800" y="4343400"/>
-            <a:ext cx="5481360" cy="4109760"/>
+            <a:ext cx="5481000" cy="4109400"/>
           </a:xfrm>
           <a:prstGeom prst="rect">
             <a:avLst/>
@@ -5620,7 +5620,7 @@
         <p:spPr>
           <a:xfrm>
             <a:off x="3884760" y="8685360"/>
-            <a:ext cx="2966760" cy="452160"/>
+            <a:ext cx="2966400" cy="451800"/>
           </a:xfrm>
           <a:prstGeom prst="rect">
             <a:avLst/>
@@ -5656,7 +5656,7 @@
               </a:lnSpc>
               <a:buNone/>
             </a:pPr>
-            <a:fld id="{15CC8DA8-0394-4351-9BA1-153F25AE20A2}" type="slidenum">
+            <a:fld id="{F4A0A891-C4E6-492C-B0F1-583DAC2BEF7B}" type="slidenum">
               <a:rPr b="0" lang="en-US" sz="1200" spc="-1" strike="noStrike">
                 <a:solidFill>
                   <a:srgbClr val="000000"/>
@@ -5707,7 +5707,7 @@
         <p:spPr>
           <a:xfrm>
             <a:off x="380880" y="685800"/>
-            <a:ext cx="6090840" cy="3423960"/>
+            <a:ext cx="6090480" cy="3423600"/>
           </a:xfrm>
           <a:prstGeom prst="rect">
             <a:avLst/>
@@ -5730,7 +5730,7 @@
         <p:spPr>
           <a:xfrm>
             <a:off x="685800" y="4343400"/>
-            <a:ext cx="5481360" cy="4109760"/>
+            <a:ext cx="5481000" cy="4109400"/>
           </a:xfrm>
           <a:prstGeom prst="rect">
             <a:avLst/>
@@ -5764,7 +5764,7 @@
         <p:spPr>
           <a:xfrm>
             <a:off x="3884760" y="8685360"/>
-            <a:ext cx="2966760" cy="452160"/>
+            <a:ext cx="2966400" cy="451800"/>
           </a:xfrm>
           <a:prstGeom prst="rect">
             <a:avLst/>
@@ -5800,7 +5800,7 @@
               </a:lnSpc>
               <a:buNone/>
             </a:pPr>
-            <a:fld id="{71DDE6E9-D5FC-4036-B419-BA59C0AF72AD}" type="slidenum">
+            <a:fld id="{0F44F43E-F628-43C4-8275-C77F11125B3B}" type="slidenum">
               <a:rPr b="0" lang="en-US" sz="1200" spc="-1" strike="noStrike">
                 <a:solidFill>
                   <a:srgbClr val="000000"/>
@@ -5851,7 +5851,7 @@
         <p:spPr>
           <a:xfrm>
             <a:off x="380880" y="685800"/>
-            <a:ext cx="6090840" cy="3423960"/>
+            <a:ext cx="6090480" cy="3423600"/>
           </a:xfrm>
           <a:prstGeom prst="rect">
             <a:avLst/>
@@ -5874,7 +5874,7 @@
         <p:spPr>
           <a:xfrm>
             <a:off x="685800" y="4343400"/>
-            <a:ext cx="5481360" cy="4109760"/>
+            <a:ext cx="5481000" cy="4109400"/>
           </a:xfrm>
           <a:prstGeom prst="rect">
             <a:avLst/>
@@ -5908,7 +5908,7 @@
         <p:spPr>
           <a:xfrm>
             <a:off x="3884760" y="8685360"/>
-            <a:ext cx="2966760" cy="452160"/>
+            <a:ext cx="2966400" cy="451800"/>
           </a:xfrm>
           <a:prstGeom prst="rect">
             <a:avLst/>
@@ -5944,7 +5944,7 @@
               </a:lnSpc>
               <a:buNone/>
             </a:pPr>
-            <a:fld id="{E5FAA1FF-178C-4E1C-8633-AE68A991719C}" type="slidenum">
+            <a:fld id="{0CA41ECE-8854-4E0B-B88B-0DC023A9DC76}" type="slidenum">
               <a:rPr b="0" lang="en-US" sz="1200" spc="-1" strike="noStrike">
                 <a:solidFill>
                   <a:srgbClr val="000000"/>
@@ -5995,7 +5995,7 @@
         <p:spPr>
           <a:xfrm>
             <a:off x="380880" y="685800"/>
-            <a:ext cx="6090840" cy="3423960"/>
+            <a:ext cx="6090480" cy="3423600"/>
           </a:xfrm>
           <a:prstGeom prst="rect">
             <a:avLst/>
@@ -6018,7 +6018,7 @@
         <p:spPr>
           <a:xfrm>
             <a:off x="685800" y="4343400"/>
-            <a:ext cx="5481360" cy="4109760"/>
+            <a:ext cx="5481000" cy="4109400"/>
           </a:xfrm>
           <a:prstGeom prst="rect">
             <a:avLst/>
@@ -6052,7 +6052,7 @@
         <p:spPr>
           <a:xfrm>
             <a:off x="3884760" y="8685360"/>
-            <a:ext cx="2966760" cy="452160"/>
+            <a:ext cx="2966400" cy="451800"/>
           </a:xfrm>
           <a:prstGeom prst="rect">
             <a:avLst/>
@@ -6088,7 +6088,7 @@
               </a:lnSpc>
               <a:buNone/>
             </a:pPr>
-            <a:fld id="{6481D1BA-75C7-41A4-A293-90B4DCF1287D}" type="slidenum">
+            <a:fld id="{231086B9-1AC2-4BFE-A566-93DB36B410CA}" type="slidenum">
               <a:rPr b="0" lang="en-US" sz="1200" spc="-1" strike="noStrike">
                 <a:solidFill>
                   <a:srgbClr val="000000"/>
@@ -6160,7 +6160,7 @@
         <p:txBody>
           <a:bodyPr/>
           <a:p>
-            <a:fld id="{503DE3A9-9492-4253-A81F-E167BFF2E2D1}" type="slidenum">
+            <a:fld id="{11940719-1DFC-42FB-91BE-127ADC1DF114}" type="slidenum">
               <a:t>&lt;#&gt;</a:t>
             </a:fld>
           </a:p>
@@ -6348,7 +6348,7 @@
         <p:txBody>
           <a:bodyPr/>
           <a:p>
-            <a:fld id="{3777F0B5-F885-44F5-85C3-8C49F7854D5B}" type="slidenum">
+            <a:fld id="{4457FC20-ACF9-42BB-B473-565B91DCECBB}" type="slidenum">
               <a:t>&lt;#&gt;</a:t>
             </a:fld>
           </a:p>
@@ -6604,7 +6604,7 @@
         <p:txBody>
           <a:bodyPr/>
           <a:p>
-            <a:fld id="{F744A480-6656-45D8-93C7-E94E5E9C7A3C}" type="slidenum">
+            <a:fld id="{80810914-D0F1-45BF-979D-3C72C20357CF}" type="slidenum">
               <a:t>&lt;#&gt;</a:t>
             </a:fld>
           </a:p>
@@ -6928,7 +6928,7 @@
         <p:txBody>
           <a:bodyPr/>
           <a:p>
-            <a:fld id="{5D43BB23-D2F8-4510-96A8-DE288D587C56}" type="slidenum">
+            <a:fld id="{6CB93AFA-3133-48CF-93B3-C05D39F73031}" type="slidenum">
               <a:t>&lt;#&gt;</a:t>
             </a:fld>
           </a:p>
@@ -7085,7 +7085,7 @@
         <p:txBody>
           <a:bodyPr/>
           <a:p>
-            <a:fld id="{A67A1A64-D4DF-4893-BC19-01455A59FD13}" type="slidenum">
+            <a:fld id="{72C49DD5-D87A-42CF-BDB8-6873BA68D936}" type="slidenum">
               <a:t>&lt;#&gt;</a:t>
             </a:fld>
           </a:p>
@@ -7239,7 +7239,7 @@
         <p:txBody>
           <a:bodyPr/>
           <a:p>
-            <a:fld id="{A2D11262-8552-437D-A405-445C8C05E85F}" type="slidenum">
+            <a:fld id="{D0698932-D7EF-4008-9D47-A1F2E9EDA551}" type="slidenum">
               <a:t>&lt;#&gt;</a:t>
             </a:fld>
           </a:p>
@@ -7427,7 +7427,7 @@
         <p:txBody>
           <a:bodyPr/>
           <a:p>
-            <a:fld id="{9CF4CF18-EEED-4A4D-AF77-95B7D2DD63FA}" type="slidenum">
+            <a:fld id="{6CB8F1AF-65E3-4024-8CE4-C38D6E869369}" type="slidenum">
               <a:t>&lt;#&gt;</a:t>
             </a:fld>
           </a:p>
@@ -7547,7 +7547,7 @@
         <p:txBody>
           <a:bodyPr/>
           <a:p>
-            <a:fld id="{B3F22E3A-ACE6-4775-9E52-FC22A325754F}" type="slidenum">
+            <a:fld id="{4ABAF6CA-4647-499E-BD50-F2A22AE4492B}" type="slidenum">
               <a:t>&lt;#&gt;</a:t>
             </a:fld>
           </a:p>
@@ -7667,7 +7667,7 @@
         <p:txBody>
           <a:bodyPr/>
           <a:p>
-            <a:fld id="{0AD9381D-F841-46EF-9842-07F213B67BC6}" type="slidenum">
+            <a:fld id="{996AD491-7B9E-4CD4-B97F-45A4095E4651}" type="slidenum">
               <a:t>&lt;#&gt;</a:t>
             </a:fld>
           </a:p>
@@ -7889,7 +7889,7 @@
         <p:txBody>
           <a:bodyPr/>
           <a:p>
-            <a:fld id="{D4919564-A4A6-4C81-9A36-09B50DBA05D3}" type="slidenum">
+            <a:fld id="{701175DF-7D93-4FEC-A710-96331EFF5EF2}" type="slidenum">
               <a:t>&lt;#&gt;</a:t>
             </a:fld>
           </a:p>
@@ -8111,7 +8111,7 @@
         <p:txBody>
           <a:bodyPr/>
           <a:p>
-            <a:fld id="{AFE33FF9-E7E2-4813-B8B0-2F92C37F5623}" type="slidenum">
+            <a:fld id="{845B7FFE-22E1-4B35-86B3-99D785FD54BD}" type="slidenum">
               <a:t>&lt;#&gt;</a:t>
             </a:fld>
           </a:p>
@@ -8333,7 +8333,7 @@
         <p:txBody>
           <a:bodyPr/>
           <a:p>
-            <a:fld id="{E6E0851F-3349-4919-9A76-4C41187D30FF}" type="slidenum">
+            <a:fld id="{96260EEC-8248-4A06-B1A9-19587105724C}" type="slidenum">
               <a:t>&lt;#&gt;</a:t>
             </a:fld>
           </a:p>
@@ -8402,7 +8402,7 @@
         <p:spPr>
           <a:xfrm>
             <a:off x="3028680" y="4771440"/>
-            <a:ext cx="3081600" cy="269640"/>
+            <a:ext cx="3081240" cy="269280"/>
           </a:xfrm>
           <a:prstGeom prst="rect">
             <a:avLst/>
@@ -8446,7 +8446,7 @@
                 <a:latin typeface="Times New Roman"/>
                 <a:ea typeface="DejaVu Sans"/>
               </a:rPr>
-              <a:t> </a:t>
+              <a:t>&lt;footer&gt;</a:t>
             </a:r>
             <a:endParaRPr b="0" lang="en-US" sz="1400" spc="-1" strike="noStrike">
               <a:latin typeface="Times New Roman"/>
@@ -8467,7 +8467,7 @@
         <p:spPr>
           <a:xfrm>
             <a:off x="6457680" y="4771440"/>
-            <a:ext cx="2053080" cy="269640"/>
+            <a:ext cx="2052720" cy="269280"/>
           </a:xfrm>
           <a:prstGeom prst="rect">
             <a:avLst/>
@@ -8503,7 +8503,7 @@
               </a:lnSpc>
               <a:buNone/>
             </a:pPr>
-            <a:fld id="{ECCF25BA-B833-48EE-9C7A-3A474F791B1F}" type="slidenum">
+            <a:fld id="{37D938B5-767E-46D7-9955-3BF04CB335EA}" type="slidenum">
               <a:rPr b="0" lang="en-US" sz="1200" spc="-1" strike="noStrike">
                 <a:solidFill>
                   <a:srgbClr val="8b8b8b"/>
@@ -8511,7 +8511,7 @@
                 <a:latin typeface="Calibri"/>
                 <a:ea typeface="DejaVu Sans"/>
               </a:rPr>
-              <a:t>39</a:t>
+              <a:t>&lt;number&gt;</a:t>
             </a:fld>
             <a:endParaRPr b="0" lang="en-US" sz="1200" spc="-1" strike="noStrike">
               <a:latin typeface="Times New Roman"/>
@@ -8532,7 +8532,7 @@
         <p:spPr>
           <a:xfrm>
             <a:off x="628200" y="4771440"/>
-            <a:ext cx="2053080" cy="269640"/>
+            <a:ext cx="2052720" cy="269280"/>
           </a:xfrm>
           <a:prstGeom prst="rect">
             <a:avLst/>
@@ -8558,7 +8558,7 @@
               <a:rPr b="0" lang="en-US" sz="1400" spc="-1" strike="noStrike">
                 <a:latin typeface="Times New Roman"/>
               </a:rPr>
-              <a:t> </a:t>
+              <a:t>&lt;date/time&gt;</a:t>
             </a:r>
             <a:endParaRPr b="0" lang="en-US" sz="1400" spc="-1" strike="noStrike">
               <a:latin typeface="Times New Roman"/>
@@ -8844,8 +8844,8 @@
         </p:nvSpPr>
         <p:spPr>
           <a:xfrm rot="2744400">
-            <a:off x="-280080" y="-25560"/>
-            <a:ext cx="703800" cy="703440"/>
+            <a:off x="-279720" y="-25560"/>
+            <a:ext cx="703440" cy="703080"/>
           </a:xfrm>
           <a:prstGeom prst="roundRect">
             <a:avLst>
@@ -8882,8 +8882,8 @@
         </p:nvSpPr>
         <p:spPr>
           <a:xfrm rot="2625600">
-            <a:off x="6024960" y="4332600"/>
-            <a:ext cx="467640" cy="467640"/>
+            <a:off x="6024960" y="4332240"/>
+            <a:ext cx="467280" cy="467280"/>
           </a:xfrm>
           <a:prstGeom prst="roundRect">
             <a:avLst>
@@ -8920,8 +8920,8 @@
         </p:nvSpPr>
         <p:spPr>
           <a:xfrm rot="18679200">
-            <a:off x="7003440" y="948600"/>
-            <a:ext cx="4939200" cy="4665600"/>
+            <a:off x="7003080" y="948600"/>
+            <a:ext cx="4938840" cy="4665240"/>
           </a:xfrm>
           <a:prstGeom prst="roundRect">
             <a:avLst>
@@ -8959,7 +8959,7 @@
         <p:spPr>
           <a:xfrm>
             <a:off x="459720" y="4671360"/>
-            <a:ext cx="2994840" cy="265680"/>
+            <a:ext cx="2994480" cy="265320"/>
           </a:xfrm>
           <a:prstGeom prst="rect">
             <a:avLst/>
@@ -9024,8 +9024,8 @@
         </p:blipFill>
         <p:spPr>
           <a:xfrm>
-            <a:off x="2423160" y="4671720"/>
-            <a:ext cx="287280" cy="287280"/>
+            <a:off x="3035160" y="4743720"/>
+            <a:ext cx="286920" cy="286920"/>
           </a:xfrm>
           <a:prstGeom prst="rect">
             <a:avLst/>
@@ -9044,7 +9044,7 @@
         <p:spPr>
           <a:xfrm>
             <a:off x="484920" y="1681560"/>
-            <a:ext cx="5480280" cy="1881720"/>
+            <a:ext cx="5479920" cy="1881360"/>
           </a:xfrm>
           <a:prstGeom prst="rect">
             <a:avLst/>
@@ -9132,8 +9132,8 @@
         </p:nvSpPr>
         <p:spPr>
           <a:xfrm rot="2744400">
-            <a:off x="-280080" y="-25560"/>
-            <a:ext cx="703800" cy="703440"/>
+            <a:off x="-279720" y="-25560"/>
+            <a:ext cx="703440" cy="703080"/>
           </a:xfrm>
           <a:prstGeom prst="roundRect">
             <a:avLst>
@@ -9171,7 +9171,7 @@
         <p:spPr>
           <a:xfrm rot="2332200">
             <a:off x="6009120" y="-319680"/>
-            <a:ext cx="4854960" cy="7725960"/>
+            <a:ext cx="4854600" cy="7725600"/>
           </a:xfrm>
           <a:prstGeom prst="roundRect">
             <a:avLst>
@@ -9209,9 +9209,9 @@
         <p:grpSpPr>
           <a:xfrm>
             <a:off x="4571640" y="828000"/>
-            <a:ext cx="4467600" cy="3563640"/>
+            <a:ext cx="4467240" cy="3563280"/>
             <a:chOff x="4571640" y="828000"/>
-            <a:chExt cx="4467600" cy="3563640"/>
+            <a:chExt cx="4467240" cy="3563280"/>
           </a:xfrm>
         </p:grpSpPr>
         <p:pic>
@@ -9227,7 +9227,7 @@
           <p:spPr>
             <a:xfrm>
               <a:off x="4571640" y="828000"/>
-              <a:ext cx="4467600" cy="3563640"/>
+              <a:ext cx="4467240" cy="3563280"/>
             </a:xfrm>
             <a:prstGeom prst="rect">
               <a:avLst/>
@@ -9245,8 +9245,8 @@
           </p:nvSpPr>
           <p:spPr>
             <a:xfrm rot="16200000">
-              <a:off x="5962680" y="1159560"/>
-              <a:ext cx="1736640" cy="2770560"/>
+              <a:off x="5962680" y="1159920"/>
+              <a:ext cx="1736280" cy="2770200"/>
             </a:xfrm>
             <a:prstGeom prst="roundRect">
               <a:avLst>
@@ -9313,7 +9313,7 @@
         <p:spPr>
           <a:xfrm>
             <a:off x="5446080" y="1672200"/>
-            <a:ext cx="2770200" cy="1736640"/>
+            <a:ext cx="2769840" cy="1736280"/>
           </a:xfrm>
           <a:prstGeom prst="rect">
             <a:avLst/>
@@ -9365,7 +9365,7 @@
         <p:spPr>
           <a:xfrm>
             <a:off x="586440" y="1246680"/>
-            <a:ext cx="4003560" cy="3599280"/>
+            <a:ext cx="4003200" cy="3598920"/>
           </a:xfrm>
           <a:prstGeom prst="rect">
             <a:avLst/>
@@ -9417,7 +9417,7 @@
         <p:spPr>
           <a:xfrm>
             <a:off x="586440" y="453960"/>
-            <a:ext cx="4763520" cy="854640"/>
+            <a:ext cx="4763160" cy="854280"/>
           </a:xfrm>
           <a:prstGeom prst="rect">
             <a:avLst/>
@@ -9505,8 +9505,8 @@
         </p:nvSpPr>
         <p:spPr>
           <a:xfrm rot="2745600">
-            <a:off x="8349840" y="-668160"/>
-            <a:ext cx="1497600" cy="1497600"/>
+            <a:off x="8349840" y="-667800"/>
+            <a:ext cx="1497240" cy="1497240"/>
           </a:xfrm>
           <a:prstGeom prst="roundRect">
             <a:avLst>
@@ -9544,7 +9544,7 @@
         <p:spPr>
           <a:xfrm rot="2745600">
             <a:off x="7634160" y="-322200"/>
-            <a:ext cx="806400" cy="806760"/>
+            <a:ext cx="806040" cy="806400"/>
           </a:xfrm>
           <a:prstGeom prst="roundRect">
             <a:avLst>
@@ -9583,7 +9583,7 @@
         <p:spPr>
           <a:xfrm>
             <a:off x="586440" y="899640"/>
-            <a:ext cx="7931160" cy="1536480"/>
+            <a:ext cx="7930800" cy="1536120"/>
           </a:xfrm>
           <a:prstGeom prst="rect">
             <a:avLst/>
@@ -9635,7 +9635,7 @@
         <p:spPr>
           <a:xfrm>
             <a:off x="608040" y="2545560"/>
-            <a:ext cx="3711600" cy="2255040"/>
+            <a:ext cx="3711240" cy="2254680"/>
           </a:xfrm>
           <a:prstGeom prst="rect">
             <a:avLst/>
@@ -9687,7 +9687,7 @@
         <p:spPr>
           <a:xfrm>
             <a:off x="4806360" y="2545560"/>
-            <a:ext cx="3711600" cy="2255040"/>
+            <a:ext cx="3711240" cy="2254680"/>
           </a:xfrm>
           <a:prstGeom prst="rect">
             <a:avLst/>
@@ -9739,7 +9739,7 @@
         <p:spPr>
           <a:xfrm>
             <a:off x="583200" y="450720"/>
-            <a:ext cx="7197480" cy="511560"/>
+            <a:ext cx="7197120" cy="511200"/>
           </a:xfrm>
           <a:prstGeom prst="rect">
             <a:avLst/>
@@ -9821,7 +9821,7 @@
         <p:spPr>
           <a:xfrm>
             <a:off x="586440" y="1246680"/>
-            <a:ext cx="4003560" cy="3599280"/>
+            <a:ext cx="4003200" cy="3598920"/>
           </a:xfrm>
           <a:prstGeom prst="rect">
             <a:avLst/>
@@ -9873,7 +9873,7 @@
         <p:spPr>
           <a:xfrm>
             <a:off x="559800" y="446040"/>
-            <a:ext cx="4282920" cy="682920"/>
+            <a:ext cx="4282560" cy="682560"/>
           </a:xfrm>
           <a:prstGeom prst="rect">
             <a:avLst/>
@@ -9925,7 +9925,7 @@
         <p:spPr>
           <a:xfrm>
             <a:off x="5097600" y="360"/>
-            <a:ext cx="4379040" cy="5143320"/>
+            <a:ext cx="4378680" cy="5142960"/>
           </a:xfrm>
           <a:prstGeom prst="roundRect">
             <a:avLst>
@@ -9990,8 +9990,8 @@
         </p:nvSpPr>
         <p:spPr>
           <a:xfrm rot="2744400">
-            <a:off x="-280080" y="-25560"/>
-            <a:ext cx="703800" cy="703440"/>
+            <a:off x="-279720" y="-25560"/>
+            <a:ext cx="703440" cy="703080"/>
           </a:xfrm>
           <a:prstGeom prst="roundRect">
             <a:avLst>
@@ -10028,8 +10028,8 @@
         </p:nvSpPr>
         <p:spPr>
           <a:xfrm rot="2625600">
-            <a:off x="4861080" y="4146480"/>
-            <a:ext cx="467640" cy="467640"/>
+            <a:off x="4861080" y="4146120"/>
+            <a:ext cx="467280" cy="467280"/>
           </a:xfrm>
           <a:prstGeom prst="roundRect">
             <a:avLst>
@@ -10103,8 +10103,8 @@
         </p:nvSpPr>
         <p:spPr>
           <a:xfrm rot="2744400">
-            <a:off x="-349200" y="4539600"/>
-            <a:ext cx="703800" cy="703440"/>
+            <a:off x="-348840" y="4539240"/>
+            <a:ext cx="703440" cy="703080"/>
           </a:xfrm>
           <a:prstGeom prst="roundRect">
             <a:avLst>
@@ -10141,8 +10141,8 @@
         </p:nvSpPr>
         <p:spPr>
           <a:xfrm rot="19228200">
-            <a:off x="5845680" y="-2265840"/>
-            <a:ext cx="4854600" cy="7725600"/>
+            <a:off x="5845680" y="-2265480"/>
+            <a:ext cx="4854240" cy="7725240"/>
           </a:xfrm>
           <a:prstGeom prst="roundRect">
             <a:avLst>
@@ -10180,9 +10180,9 @@
         <p:grpSpPr>
           <a:xfrm>
             <a:off x="4571640" y="828000"/>
-            <a:ext cx="4467600" cy="3563640"/>
+            <a:ext cx="4467240" cy="3563280"/>
             <a:chOff x="4571640" y="828000"/>
-            <a:chExt cx="4467600" cy="3563640"/>
+            <a:chExt cx="4467240" cy="3563280"/>
           </a:xfrm>
         </p:grpSpPr>
         <p:pic>
@@ -10198,7 +10198,7 @@
           <p:spPr>
             <a:xfrm>
               <a:off x="4571640" y="828000"/>
-              <a:ext cx="4467600" cy="3563640"/>
+              <a:ext cx="4467240" cy="3563280"/>
             </a:xfrm>
             <a:prstGeom prst="rect">
               <a:avLst/>
@@ -10216,8 +10216,8 @@
           </p:nvSpPr>
           <p:spPr>
             <a:xfrm rot="16200000">
-              <a:off x="5962680" y="1159560"/>
-              <a:ext cx="1736640" cy="2770560"/>
+              <a:off x="5962680" y="1159920"/>
+              <a:ext cx="1736280" cy="2770200"/>
             </a:xfrm>
             <a:prstGeom prst="roundRect">
               <a:avLst>
@@ -10284,7 +10284,7 @@
         <p:spPr>
           <a:xfrm>
             <a:off x="586440" y="1246680"/>
-            <a:ext cx="4003560" cy="3599280"/>
+            <a:ext cx="4003200" cy="3598920"/>
           </a:xfrm>
           <a:prstGeom prst="rect">
             <a:avLst/>
@@ -10336,7 +10336,7 @@
         <p:spPr>
           <a:xfrm>
             <a:off x="5446080" y="1672200"/>
-            <a:ext cx="2779560" cy="1736640"/>
+            <a:ext cx="2779200" cy="1736280"/>
           </a:xfrm>
           <a:prstGeom prst="rect">
             <a:avLst/>
@@ -10388,7 +10388,7 @@
         <p:spPr>
           <a:xfrm>
             <a:off x="586440" y="453960"/>
-            <a:ext cx="3696120" cy="854640"/>
+            <a:ext cx="3695760" cy="854280"/>
           </a:xfrm>
           <a:prstGeom prst="rect">
             <a:avLst/>
@@ -10477,7 +10477,7 @@
         <p:spPr>
           <a:xfrm>
             <a:off x="4222080" y="1246680"/>
-            <a:ext cx="4114440" cy="3599280"/>
+            <a:ext cx="4114080" cy="3598920"/>
           </a:xfrm>
           <a:prstGeom prst="rect">
             <a:avLst/>
@@ -10528,8 +10528,8 @@
         </p:nvSpPr>
         <p:spPr>
           <a:xfrm rot="16200000">
-            <a:off x="-2181600" y="1734120"/>
-            <a:ext cx="5143320" cy="1683360"/>
+            <a:off x="-2181600" y="1734480"/>
+            <a:ext cx="5142960" cy="1683000"/>
           </a:xfrm>
           <a:prstGeom prst="roundRect">
             <a:avLst>
@@ -10566,8 +10566,8 @@
         </p:nvSpPr>
         <p:spPr>
           <a:xfrm rot="2745000">
-            <a:off x="8575200" y="103320"/>
-            <a:ext cx="1131840" cy="1131480"/>
+            <a:off x="8575200" y="102960"/>
+            <a:ext cx="1131480" cy="1131120"/>
           </a:xfrm>
           <a:prstGeom prst="roundRect">
             <a:avLst>
@@ -10604,8 +10604,8 @@
         </p:nvSpPr>
         <p:spPr>
           <a:xfrm rot="16200000">
-            <a:off x="614880" y="919440"/>
-            <a:ext cx="3231360" cy="3313080"/>
+            <a:off x="614880" y="919800"/>
+            <a:ext cx="3231000" cy="3312720"/>
           </a:xfrm>
           <a:prstGeom prst="roundRect">
             <a:avLst>
@@ -10671,7 +10671,7 @@
         <p:spPr>
           <a:xfrm>
             <a:off x="4214160" y="456120"/>
-            <a:ext cx="4111200" cy="854640"/>
+            <a:ext cx="4110840" cy="854280"/>
           </a:xfrm>
           <a:prstGeom prst="rect">
             <a:avLst/>
@@ -10759,8 +10759,8 @@
         </p:nvSpPr>
         <p:spPr>
           <a:xfrm rot="2744400">
-            <a:off x="-280080" y="-25560"/>
-            <a:ext cx="703800" cy="703440"/>
+            <a:off x="-279720" y="-25560"/>
+            <a:ext cx="703440" cy="703080"/>
           </a:xfrm>
           <a:prstGeom prst="roundRect">
             <a:avLst>
@@ -10798,7 +10798,7 @@
         <p:spPr>
           <a:xfrm rot="2332200">
             <a:off x="6009120" y="-319680"/>
-            <a:ext cx="4854960" cy="7725960"/>
+            <a:ext cx="4854600" cy="7725600"/>
           </a:xfrm>
           <a:prstGeom prst="roundRect">
             <a:avLst>
@@ -10836,9 +10836,9 @@
         <p:grpSpPr>
           <a:xfrm>
             <a:off x="4571640" y="828000"/>
-            <a:ext cx="4467600" cy="3563640"/>
+            <a:ext cx="4467240" cy="3563280"/>
             <a:chOff x="4571640" y="828000"/>
-            <a:chExt cx="4467600" cy="3563640"/>
+            <a:chExt cx="4467240" cy="3563280"/>
           </a:xfrm>
         </p:grpSpPr>
         <p:pic>
@@ -10854,7 +10854,7 @@
           <p:spPr>
             <a:xfrm>
               <a:off x="4571640" y="828000"/>
-              <a:ext cx="4467600" cy="3563640"/>
+              <a:ext cx="4467240" cy="3563280"/>
             </a:xfrm>
             <a:prstGeom prst="rect">
               <a:avLst/>
@@ -10872,8 +10872,8 @@
           </p:nvSpPr>
           <p:spPr>
             <a:xfrm rot="16200000">
-              <a:off x="5962680" y="1159560"/>
-              <a:ext cx="1736640" cy="2770560"/>
+              <a:off x="5962680" y="1159920"/>
+              <a:ext cx="1736280" cy="2770200"/>
             </a:xfrm>
             <a:prstGeom prst="roundRect">
               <a:avLst>
@@ -10940,7 +10940,7 @@
         <p:spPr>
           <a:xfrm>
             <a:off x="5446080" y="1672200"/>
-            <a:ext cx="2770200" cy="1736640"/>
+            <a:ext cx="2769840" cy="1736280"/>
           </a:xfrm>
           <a:prstGeom prst="rect">
             <a:avLst/>
@@ -10992,7 +10992,7 @@
         <p:spPr>
           <a:xfrm>
             <a:off x="586440" y="1246680"/>
-            <a:ext cx="4003560" cy="3599280"/>
+            <a:ext cx="4003200" cy="3598920"/>
           </a:xfrm>
           <a:prstGeom prst="rect">
             <a:avLst/>
@@ -11044,7 +11044,7 @@
         <p:spPr>
           <a:xfrm>
             <a:off x="586440" y="453960"/>
-            <a:ext cx="4763520" cy="854640"/>
+            <a:ext cx="4763160" cy="854280"/>
           </a:xfrm>
           <a:prstGeom prst="rect">
             <a:avLst/>
@@ -11132,8 +11132,8 @@
         </p:nvSpPr>
         <p:spPr>
           <a:xfrm rot="2745600">
-            <a:off x="8349840" y="-668160"/>
-            <a:ext cx="1497600" cy="1497600"/>
+            <a:off x="8349840" y="-667800"/>
+            <a:ext cx="1497240" cy="1497240"/>
           </a:xfrm>
           <a:prstGeom prst="roundRect">
             <a:avLst>
@@ -11171,7 +11171,7 @@
         <p:spPr>
           <a:xfrm rot="2745600">
             <a:off x="7634160" y="-322200"/>
-            <a:ext cx="806400" cy="806760"/>
+            <a:ext cx="806040" cy="806400"/>
           </a:xfrm>
           <a:prstGeom prst="roundRect">
             <a:avLst>
@@ -11210,7 +11210,7 @@
         <p:spPr>
           <a:xfrm>
             <a:off x="586440" y="899640"/>
-            <a:ext cx="7931160" cy="1536480"/>
+            <a:ext cx="7930800" cy="1536120"/>
           </a:xfrm>
           <a:prstGeom prst="rect">
             <a:avLst/>
@@ -11262,7 +11262,7 @@
         <p:spPr>
           <a:xfrm>
             <a:off x="608040" y="2545560"/>
-            <a:ext cx="3711600" cy="2255040"/>
+            <a:ext cx="3711240" cy="2254680"/>
           </a:xfrm>
           <a:prstGeom prst="rect">
             <a:avLst/>
@@ -11314,7 +11314,7 @@
         <p:spPr>
           <a:xfrm>
             <a:off x="4806360" y="2545560"/>
-            <a:ext cx="3711600" cy="2255040"/>
+            <a:ext cx="3711240" cy="2254680"/>
           </a:xfrm>
           <a:prstGeom prst="rect">
             <a:avLst/>
@@ -11366,7 +11366,7 @@
         <p:spPr>
           <a:xfrm>
             <a:off x="583200" y="450720"/>
-            <a:ext cx="7197480" cy="511560"/>
+            <a:ext cx="7197120" cy="511200"/>
           </a:xfrm>
           <a:prstGeom prst="rect">
             <a:avLst/>
@@ -11448,7 +11448,7 @@
         <p:spPr>
           <a:xfrm>
             <a:off x="586440" y="1246680"/>
-            <a:ext cx="4003560" cy="3599280"/>
+            <a:ext cx="4003200" cy="3598920"/>
           </a:xfrm>
           <a:prstGeom prst="rect">
             <a:avLst/>
@@ -11500,7 +11500,7 @@
         <p:spPr>
           <a:xfrm>
             <a:off x="559800" y="446040"/>
-            <a:ext cx="4282920" cy="682920"/>
+            <a:ext cx="4282560" cy="682560"/>
           </a:xfrm>
           <a:prstGeom prst="rect">
             <a:avLst/>
@@ -11552,7 +11552,7 @@
         <p:spPr>
           <a:xfrm>
             <a:off x="5097600" y="360"/>
-            <a:ext cx="4379040" cy="5143320"/>
+            <a:ext cx="4378680" cy="5142960"/>
           </a:xfrm>
           <a:prstGeom prst="roundRect">
             <a:avLst>
@@ -11617,8 +11617,8 @@
         </p:nvSpPr>
         <p:spPr>
           <a:xfrm rot="2744400">
-            <a:off x="-280080" y="-25560"/>
-            <a:ext cx="703800" cy="703440"/>
+            <a:off x="-279720" y="-25560"/>
+            <a:ext cx="703440" cy="703080"/>
           </a:xfrm>
           <a:prstGeom prst="roundRect">
             <a:avLst>
@@ -11655,8 +11655,8 @@
         </p:nvSpPr>
         <p:spPr>
           <a:xfrm rot="2625600">
-            <a:off x="4861080" y="4146480"/>
-            <a:ext cx="467640" cy="467640"/>
+            <a:off x="4861080" y="4146120"/>
+            <a:ext cx="467280" cy="467280"/>
           </a:xfrm>
           <a:prstGeom prst="roundRect">
             <a:avLst>
@@ -11730,8 +11730,8 @@
         </p:nvSpPr>
         <p:spPr>
           <a:xfrm rot="2744400">
-            <a:off x="-349200" y="4539600"/>
-            <a:ext cx="703800" cy="703440"/>
+            <a:off x="-348840" y="4539240"/>
+            <a:ext cx="703440" cy="703080"/>
           </a:xfrm>
           <a:prstGeom prst="roundRect">
             <a:avLst>
@@ -11768,8 +11768,8 @@
         </p:nvSpPr>
         <p:spPr>
           <a:xfrm rot="19228200">
-            <a:off x="5845680" y="-2265840"/>
-            <a:ext cx="4854600" cy="7725600"/>
+            <a:off x="5845680" y="-2265480"/>
+            <a:ext cx="4854240" cy="7725240"/>
           </a:xfrm>
           <a:prstGeom prst="roundRect">
             <a:avLst>
@@ -11807,9 +11807,9 @@
         <p:grpSpPr>
           <a:xfrm>
             <a:off x="4571640" y="828000"/>
-            <a:ext cx="4467600" cy="3563640"/>
+            <a:ext cx="4467240" cy="3563280"/>
             <a:chOff x="4571640" y="828000"/>
-            <a:chExt cx="4467600" cy="3563640"/>
+            <a:chExt cx="4467240" cy="3563280"/>
           </a:xfrm>
         </p:grpSpPr>
         <p:pic>
@@ -11825,7 +11825,7 @@
           <p:spPr>
             <a:xfrm>
               <a:off x="4571640" y="828000"/>
-              <a:ext cx="4467600" cy="3563640"/>
+              <a:ext cx="4467240" cy="3563280"/>
             </a:xfrm>
             <a:prstGeom prst="rect">
               <a:avLst/>
@@ -11843,8 +11843,8 @@
           </p:nvSpPr>
           <p:spPr>
             <a:xfrm rot="16200000">
-              <a:off x="5962680" y="1159560"/>
-              <a:ext cx="1736640" cy="2770560"/>
+              <a:off x="5962680" y="1159920"/>
+              <a:ext cx="1736280" cy="2770200"/>
             </a:xfrm>
             <a:prstGeom prst="roundRect">
               <a:avLst>
@@ -11911,7 +11911,7 @@
         <p:spPr>
           <a:xfrm>
             <a:off x="586440" y="1246680"/>
-            <a:ext cx="4003560" cy="3599280"/>
+            <a:ext cx="4003200" cy="3598920"/>
           </a:xfrm>
           <a:prstGeom prst="rect">
             <a:avLst/>
@@ -11963,7 +11963,7 @@
         <p:spPr>
           <a:xfrm>
             <a:off x="5446080" y="1672200"/>
-            <a:ext cx="2779560" cy="1736640"/>
+            <a:ext cx="2779200" cy="1736280"/>
           </a:xfrm>
           <a:prstGeom prst="rect">
             <a:avLst/>
@@ -12015,7 +12015,7 @@
         <p:spPr>
           <a:xfrm>
             <a:off x="586440" y="453960"/>
-            <a:ext cx="3696120" cy="854640"/>
+            <a:ext cx="3695760" cy="854280"/>
           </a:xfrm>
           <a:prstGeom prst="rect">
             <a:avLst/>
@@ -12104,7 +12104,7 @@
         <p:spPr>
           <a:xfrm>
             <a:off x="4222080" y="1246680"/>
-            <a:ext cx="4114440" cy="3599280"/>
+            <a:ext cx="4114080" cy="3598920"/>
           </a:xfrm>
           <a:prstGeom prst="rect">
             <a:avLst/>
@@ -12155,8 +12155,8 @@
         </p:nvSpPr>
         <p:spPr>
           <a:xfrm rot="16200000">
-            <a:off x="-2181600" y="1734120"/>
-            <a:ext cx="5143320" cy="1683360"/>
+            <a:off x="-2181600" y="1734480"/>
+            <a:ext cx="5142960" cy="1683000"/>
           </a:xfrm>
           <a:prstGeom prst="roundRect">
             <a:avLst>
@@ -12193,8 +12193,8 @@
         </p:nvSpPr>
         <p:spPr>
           <a:xfrm rot="2745000">
-            <a:off x="8575200" y="103320"/>
-            <a:ext cx="1131840" cy="1131480"/>
+            <a:off x="8575200" y="102960"/>
+            <a:ext cx="1131480" cy="1131120"/>
           </a:xfrm>
           <a:prstGeom prst="roundRect">
             <a:avLst>
@@ -12231,8 +12231,8 @@
         </p:nvSpPr>
         <p:spPr>
           <a:xfrm rot="16200000">
-            <a:off x="614880" y="919440"/>
-            <a:ext cx="3231360" cy="3313080"/>
+            <a:off x="614880" y="919800"/>
+            <a:ext cx="3231000" cy="3312720"/>
           </a:xfrm>
           <a:prstGeom prst="roundRect">
             <a:avLst>
@@ -12298,7 +12298,7 @@
         <p:spPr>
           <a:xfrm>
             <a:off x="4214160" y="456120"/>
-            <a:ext cx="4111200" cy="854640"/>
+            <a:ext cx="4110840" cy="854280"/>
           </a:xfrm>
           <a:prstGeom prst="rect">
             <a:avLst/>
@@ -12380,7 +12380,7 @@
         <p:spPr>
           <a:xfrm>
             <a:off x="586440" y="1246680"/>
-            <a:ext cx="4003560" cy="3599280"/>
+            <a:ext cx="4003200" cy="3598920"/>
           </a:xfrm>
           <a:prstGeom prst="rect">
             <a:avLst/>
@@ -12432,7 +12432,7 @@
         <p:spPr>
           <a:xfrm>
             <a:off x="559800" y="446040"/>
-            <a:ext cx="4282920" cy="682920"/>
+            <a:ext cx="4282560" cy="682560"/>
           </a:xfrm>
           <a:prstGeom prst="rect">
             <a:avLst/>
@@ -12484,7 +12484,7 @@
         <p:spPr>
           <a:xfrm>
             <a:off x="5097600" y="360"/>
-            <a:ext cx="4379040" cy="5143320"/>
+            <a:ext cx="4378680" cy="5142960"/>
           </a:xfrm>
           <a:prstGeom prst="roundRect">
             <a:avLst>
@@ -12549,8 +12549,8 @@
         </p:nvSpPr>
         <p:spPr>
           <a:xfrm rot="2744400">
-            <a:off x="-280080" y="-25560"/>
-            <a:ext cx="703800" cy="703440"/>
+            <a:off x="-279720" y="-25560"/>
+            <a:ext cx="703440" cy="703080"/>
           </a:xfrm>
           <a:prstGeom prst="roundRect">
             <a:avLst>
@@ -12587,8 +12587,8 @@
         </p:nvSpPr>
         <p:spPr>
           <a:xfrm rot="2625600">
-            <a:off x="4861080" y="4146480"/>
-            <a:ext cx="467640" cy="467640"/>
+            <a:off x="4861080" y="4146120"/>
+            <a:ext cx="467280" cy="467280"/>
           </a:xfrm>
           <a:prstGeom prst="roundRect">
             <a:avLst>
@@ -12662,8 +12662,8 @@
         </p:nvSpPr>
         <p:spPr>
           <a:xfrm rot="2744400">
-            <a:off x="-280080" y="-25560"/>
-            <a:ext cx="703800" cy="703440"/>
+            <a:off x="-279720" y="-25560"/>
+            <a:ext cx="703440" cy="703080"/>
           </a:xfrm>
           <a:prstGeom prst="roundRect">
             <a:avLst>
@@ -12701,7 +12701,7 @@
         <p:spPr>
           <a:xfrm rot="2332200">
             <a:off x="6009120" y="-319680"/>
-            <a:ext cx="4854960" cy="7725960"/>
+            <a:ext cx="4854600" cy="7725600"/>
           </a:xfrm>
           <a:prstGeom prst="roundRect">
             <a:avLst>
@@ -12739,9 +12739,9 @@
         <p:grpSpPr>
           <a:xfrm>
             <a:off x="4571640" y="828000"/>
-            <a:ext cx="4467600" cy="3563640"/>
+            <a:ext cx="4467240" cy="3563280"/>
             <a:chOff x="4571640" y="828000"/>
-            <a:chExt cx="4467600" cy="3563640"/>
+            <a:chExt cx="4467240" cy="3563280"/>
           </a:xfrm>
         </p:grpSpPr>
         <p:pic>
@@ -12757,7 +12757,7 @@
           <p:spPr>
             <a:xfrm>
               <a:off x="4571640" y="828000"/>
-              <a:ext cx="4467600" cy="3563640"/>
+              <a:ext cx="4467240" cy="3563280"/>
             </a:xfrm>
             <a:prstGeom prst="rect">
               <a:avLst/>
@@ -12775,8 +12775,8 @@
           </p:nvSpPr>
           <p:spPr>
             <a:xfrm rot="16200000">
-              <a:off x="5962680" y="1159560"/>
-              <a:ext cx="1736640" cy="2770560"/>
+              <a:off x="5962680" y="1159920"/>
+              <a:ext cx="1736280" cy="2770200"/>
             </a:xfrm>
             <a:prstGeom prst="roundRect">
               <a:avLst>
@@ -12843,7 +12843,7 @@
         <p:spPr>
           <a:xfrm>
             <a:off x="5446080" y="1672200"/>
-            <a:ext cx="2770200" cy="1736640"/>
+            <a:ext cx="2769840" cy="1736280"/>
           </a:xfrm>
           <a:prstGeom prst="rect">
             <a:avLst/>
@@ -12895,7 +12895,7 @@
         <p:spPr>
           <a:xfrm>
             <a:off x="586440" y="1246680"/>
-            <a:ext cx="4003560" cy="3599280"/>
+            <a:ext cx="4003200" cy="3598920"/>
           </a:xfrm>
           <a:prstGeom prst="rect">
             <a:avLst/>
@@ -12947,7 +12947,7 @@
         <p:spPr>
           <a:xfrm>
             <a:off x="586440" y="453960"/>
-            <a:ext cx="4763520" cy="854640"/>
+            <a:ext cx="4763160" cy="854280"/>
           </a:xfrm>
           <a:prstGeom prst="rect">
             <a:avLst/>
@@ -13035,8 +13035,8 @@
         </p:nvSpPr>
         <p:spPr>
           <a:xfrm rot="2745600">
-            <a:off x="8349840" y="-668160"/>
-            <a:ext cx="1497600" cy="1497600"/>
+            <a:off x="8349840" y="-667800"/>
+            <a:ext cx="1497240" cy="1497240"/>
           </a:xfrm>
           <a:prstGeom prst="roundRect">
             <a:avLst>
@@ -13074,7 +13074,7 @@
         <p:spPr>
           <a:xfrm rot="2745600">
             <a:off x="7634160" y="-322200"/>
-            <a:ext cx="806400" cy="806760"/>
+            <a:ext cx="806040" cy="806400"/>
           </a:xfrm>
           <a:prstGeom prst="roundRect">
             <a:avLst>
@@ -13113,7 +13113,7 @@
         <p:spPr>
           <a:xfrm>
             <a:off x="586440" y="899640"/>
-            <a:ext cx="7931160" cy="1536480"/>
+            <a:ext cx="7930800" cy="1536120"/>
           </a:xfrm>
           <a:prstGeom prst="rect">
             <a:avLst/>
@@ -13165,7 +13165,7 @@
         <p:spPr>
           <a:xfrm>
             <a:off x="608040" y="2545560"/>
-            <a:ext cx="3711600" cy="2255040"/>
+            <a:ext cx="3711240" cy="2254680"/>
           </a:xfrm>
           <a:prstGeom prst="rect">
             <a:avLst/>
@@ -13217,7 +13217,7 @@
         <p:spPr>
           <a:xfrm>
             <a:off x="4806360" y="2545560"/>
-            <a:ext cx="3711600" cy="2255040"/>
+            <a:ext cx="3711240" cy="2254680"/>
           </a:xfrm>
           <a:prstGeom prst="rect">
             <a:avLst/>
@@ -13269,7 +13269,7 @@
         <p:spPr>
           <a:xfrm>
             <a:off x="583200" y="450720"/>
-            <a:ext cx="7197480" cy="511560"/>
+            <a:ext cx="7197120" cy="511200"/>
           </a:xfrm>
           <a:prstGeom prst="rect">
             <a:avLst/>
@@ -13351,7 +13351,7 @@
         <p:spPr>
           <a:xfrm>
             <a:off x="586440" y="1246680"/>
-            <a:ext cx="4003560" cy="3599280"/>
+            <a:ext cx="4003200" cy="3598920"/>
           </a:xfrm>
           <a:prstGeom prst="rect">
             <a:avLst/>
@@ -13403,7 +13403,7 @@
         <p:spPr>
           <a:xfrm>
             <a:off x="559800" y="446040"/>
-            <a:ext cx="4282920" cy="682920"/>
+            <a:ext cx="4282560" cy="682560"/>
           </a:xfrm>
           <a:prstGeom prst="rect">
             <a:avLst/>
@@ -13455,7 +13455,7 @@
         <p:spPr>
           <a:xfrm>
             <a:off x="5097600" y="360"/>
-            <a:ext cx="4379040" cy="5143320"/>
+            <a:ext cx="4378680" cy="5142960"/>
           </a:xfrm>
           <a:prstGeom prst="roundRect">
             <a:avLst>
@@ -13520,8 +13520,8 @@
         </p:nvSpPr>
         <p:spPr>
           <a:xfrm rot="2744400">
-            <a:off x="-280080" y="-25560"/>
-            <a:ext cx="703800" cy="703440"/>
+            <a:off x="-279720" y="-25560"/>
+            <a:ext cx="703440" cy="703080"/>
           </a:xfrm>
           <a:prstGeom prst="roundRect">
             <a:avLst>
@@ -13558,8 +13558,8 @@
         </p:nvSpPr>
         <p:spPr>
           <a:xfrm rot="2625600">
-            <a:off x="4861080" y="4146480"/>
-            <a:ext cx="467640" cy="467640"/>
+            <a:off x="4861080" y="4146120"/>
+            <a:ext cx="467280" cy="467280"/>
           </a:xfrm>
           <a:prstGeom prst="roundRect">
             <a:avLst>
@@ -13633,8 +13633,8 @@
         </p:nvSpPr>
         <p:spPr>
           <a:xfrm rot="2744400">
-            <a:off x="-349200" y="4539600"/>
-            <a:ext cx="703800" cy="703440"/>
+            <a:off x="-348840" y="4539240"/>
+            <a:ext cx="703440" cy="703080"/>
           </a:xfrm>
           <a:prstGeom prst="roundRect">
             <a:avLst>
@@ -13671,8 +13671,8 @@
         </p:nvSpPr>
         <p:spPr>
           <a:xfrm rot="19228200">
-            <a:off x="5845680" y="-2265840"/>
-            <a:ext cx="4854600" cy="7725600"/>
+            <a:off x="5845680" y="-2265480"/>
+            <a:ext cx="4854240" cy="7725240"/>
           </a:xfrm>
           <a:prstGeom prst="roundRect">
             <a:avLst>
@@ -13710,9 +13710,9 @@
         <p:grpSpPr>
           <a:xfrm>
             <a:off x="4571640" y="828000"/>
-            <a:ext cx="4467600" cy="3563640"/>
+            <a:ext cx="4467240" cy="3563280"/>
             <a:chOff x="4571640" y="828000"/>
-            <a:chExt cx="4467600" cy="3563640"/>
+            <a:chExt cx="4467240" cy="3563280"/>
           </a:xfrm>
         </p:grpSpPr>
         <p:pic>
@@ -13728,7 +13728,7 @@
           <p:spPr>
             <a:xfrm>
               <a:off x="4571640" y="828000"/>
-              <a:ext cx="4467600" cy="3563640"/>
+              <a:ext cx="4467240" cy="3563280"/>
             </a:xfrm>
             <a:prstGeom prst="rect">
               <a:avLst/>
@@ -13746,8 +13746,8 @@
           </p:nvSpPr>
           <p:spPr>
             <a:xfrm rot="16200000">
-              <a:off x="5962680" y="1159560"/>
-              <a:ext cx="1736640" cy="2770560"/>
+              <a:off x="5962680" y="1159920"/>
+              <a:ext cx="1736280" cy="2770200"/>
             </a:xfrm>
             <a:prstGeom prst="roundRect">
               <a:avLst>
@@ -13814,7 +13814,7 @@
         <p:spPr>
           <a:xfrm>
             <a:off x="586440" y="1246680"/>
-            <a:ext cx="4003560" cy="3599280"/>
+            <a:ext cx="4003200" cy="3598920"/>
           </a:xfrm>
           <a:prstGeom prst="rect">
             <a:avLst/>
@@ -13866,7 +13866,7 @@
         <p:spPr>
           <a:xfrm>
             <a:off x="5446080" y="1672200"/>
-            <a:ext cx="2779560" cy="1736640"/>
+            <a:ext cx="2779200" cy="1736280"/>
           </a:xfrm>
           <a:prstGeom prst="rect">
             <a:avLst/>
@@ -13918,7 +13918,7 @@
         <p:spPr>
           <a:xfrm>
             <a:off x="586440" y="453960"/>
-            <a:ext cx="3696120" cy="854640"/>
+            <a:ext cx="3695760" cy="854280"/>
           </a:xfrm>
           <a:prstGeom prst="rect">
             <a:avLst/>
@@ -14007,7 +14007,7 @@
         <p:spPr>
           <a:xfrm>
             <a:off x="4222080" y="1246680"/>
-            <a:ext cx="4114440" cy="3599280"/>
+            <a:ext cx="4114080" cy="3598920"/>
           </a:xfrm>
           <a:prstGeom prst="rect">
             <a:avLst/>
@@ -14058,8 +14058,8 @@
         </p:nvSpPr>
         <p:spPr>
           <a:xfrm rot="16200000">
-            <a:off x="-2181600" y="1734120"/>
-            <a:ext cx="5143320" cy="1683360"/>
+            <a:off x="-2181600" y="1734480"/>
+            <a:ext cx="5142960" cy="1683000"/>
           </a:xfrm>
           <a:prstGeom prst="roundRect">
             <a:avLst>
@@ -14096,8 +14096,8 @@
         </p:nvSpPr>
         <p:spPr>
           <a:xfrm rot="2745000">
-            <a:off x="8575200" y="103320"/>
-            <a:ext cx="1131840" cy="1131480"/>
+            <a:off x="8575200" y="102960"/>
+            <a:ext cx="1131480" cy="1131120"/>
           </a:xfrm>
           <a:prstGeom prst="roundRect">
             <a:avLst>
@@ -14134,8 +14134,8 @@
         </p:nvSpPr>
         <p:spPr>
           <a:xfrm rot="16200000">
-            <a:off x="614880" y="919440"/>
-            <a:ext cx="3231360" cy="3313080"/>
+            <a:off x="614880" y="919800"/>
+            <a:ext cx="3231000" cy="3312720"/>
           </a:xfrm>
           <a:prstGeom prst="roundRect">
             <a:avLst>
@@ -14201,7 +14201,7 @@
         <p:spPr>
           <a:xfrm>
             <a:off x="4214160" y="456120"/>
-            <a:ext cx="4111200" cy="854640"/>
+            <a:ext cx="4110840" cy="854280"/>
           </a:xfrm>
           <a:prstGeom prst="rect">
             <a:avLst/>
@@ -14289,8 +14289,8 @@
         </p:nvSpPr>
         <p:spPr>
           <a:xfrm rot="2744400">
-            <a:off x="-280080" y="-25560"/>
-            <a:ext cx="703800" cy="703440"/>
+            <a:off x="-279720" y="-25560"/>
+            <a:ext cx="703440" cy="703080"/>
           </a:xfrm>
           <a:prstGeom prst="roundRect">
             <a:avLst>
@@ -14328,7 +14328,7 @@
         <p:spPr>
           <a:xfrm rot="2332200">
             <a:off x="6009120" y="-319680"/>
-            <a:ext cx="4854960" cy="7725960"/>
+            <a:ext cx="4854600" cy="7725600"/>
           </a:xfrm>
           <a:prstGeom prst="roundRect">
             <a:avLst>
@@ -14366,9 +14366,9 @@
         <p:grpSpPr>
           <a:xfrm>
             <a:off x="4571640" y="828000"/>
-            <a:ext cx="4467600" cy="3563640"/>
+            <a:ext cx="4467240" cy="3563280"/>
             <a:chOff x="4571640" y="828000"/>
-            <a:chExt cx="4467600" cy="3563640"/>
+            <a:chExt cx="4467240" cy="3563280"/>
           </a:xfrm>
         </p:grpSpPr>
         <p:pic>
@@ -14384,7 +14384,7 @@
           <p:spPr>
             <a:xfrm>
               <a:off x="4571640" y="828000"/>
-              <a:ext cx="4467600" cy="3563640"/>
+              <a:ext cx="4467240" cy="3563280"/>
             </a:xfrm>
             <a:prstGeom prst="rect">
               <a:avLst/>
@@ -14402,8 +14402,8 @@
           </p:nvSpPr>
           <p:spPr>
             <a:xfrm rot="16200000">
-              <a:off x="5962680" y="1159560"/>
-              <a:ext cx="1736640" cy="2770560"/>
+              <a:off x="5962680" y="1159920"/>
+              <a:ext cx="1736280" cy="2770200"/>
             </a:xfrm>
             <a:prstGeom prst="roundRect">
               <a:avLst>
@@ -14470,7 +14470,7 @@
         <p:spPr>
           <a:xfrm>
             <a:off x="5446080" y="1672200"/>
-            <a:ext cx="2770200" cy="1736640"/>
+            <a:ext cx="2769840" cy="1736280"/>
           </a:xfrm>
           <a:prstGeom prst="rect">
             <a:avLst/>
@@ -14522,7 +14522,7 @@
         <p:spPr>
           <a:xfrm>
             <a:off x="586440" y="1246680"/>
-            <a:ext cx="4003560" cy="3599280"/>
+            <a:ext cx="4003200" cy="3598920"/>
           </a:xfrm>
           <a:prstGeom prst="rect">
             <a:avLst/>
@@ -14574,7 +14574,7 @@
         <p:spPr>
           <a:xfrm>
             <a:off x="586440" y="453960"/>
-            <a:ext cx="4763520" cy="854640"/>
+            <a:ext cx="4763160" cy="854280"/>
           </a:xfrm>
           <a:prstGeom prst="rect">
             <a:avLst/>
@@ -14662,8 +14662,8 @@
         </p:nvSpPr>
         <p:spPr>
           <a:xfrm rot="2745600">
-            <a:off x="8349840" y="-668160"/>
-            <a:ext cx="1497600" cy="1497600"/>
+            <a:off x="8349840" y="-667800"/>
+            <a:ext cx="1497240" cy="1497240"/>
           </a:xfrm>
           <a:prstGeom prst="roundRect">
             <a:avLst>
@@ -14701,7 +14701,7 @@
         <p:spPr>
           <a:xfrm rot="2745600">
             <a:off x="7634160" y="-322200"/>
-            <a:ext cx="806400" cy="806760"/>
+            <a:ext cx="806040" cy="806400"/>
           </a:xfrm>
           <a:prstGeom prst="roundRect">
             <a:avLst>
@@ -14740,7 +14740,7 @@
         <p:spPr>
           <a:xfrm>
             <a:off x="586440" y="899640"/>
-            <a:ext cx="7931160" cy="1536480"/>
+            <a:ext cx="7930800" cy="1536120"/>
           </a:xfrm>
           <a:prstGeom prst="rect">
             <a:avLst/>
@@ -14792,7 +14792,7 @@
         <p:spPr>
           <a:xfrm>
             <a:off x="608040" y="2545560"/>
-            <a:ext cx="3711600" cy="2255040"/>
+            <a:ext cx="3711240" cy="2254680"/>
           </a:xfrm>
           <a:prstGeom prst="rect">
             <a:avLst/>
@@ -14844,7 +14844,7 @@
         <p:spPr>
           <a:xfrm>
             <a:off x="4806360" y="2545560"/>
-            <a:ext cx="3711600" cy="2255040"/>
+            <a:ext cx="3711240" cy="2254680"/>
           </a:xfrm>
           <a:prstGeom prst="rect">
             <a:avLst/>
@@ -14896,7 +14896,7 @@
         <p:spPr>
           <a:xfrm>
             <a:off x="583200" y="450720"/>
-            <a:ext cx="7197480" cy="511560"/>
+            <a:ext cx="7197120" cy="511200"/>
           </a:xfrm>
           <a:prstGeom prst="rect">
             <a:avLst/>
@@ -14978,7 +14978,7 @@
         <p:spPr>
           <a:xfrm>
             <a:off x="586440" y="1246680"/>
-            <a:ext cx="4003560" cy="3599280"/>
+            <a:ext cx="4003200" cy="3598920"/>
           </a:xfrm>
           <a:prstGeom prst="rect">
             <a:avLst/>
@@ -15030,7 +15030,7 @@
         <p:spPr>
           <a:xfrm>
             <a:off x="559800" y="446040"/>
-            <a:ext cx="4282920" cy="682920"/>
+            <a:ext cx="4282560" cy="682560"/>
           </a:xfrm>
           <a:prstGeom prst="rect">
             <a:avLst/>
@@ -15082,7 +15082,7 @@
         <p:spPr>
           <a:xfrm>
             <a:off x="5097600" y="360"/>
-            <a:ext cx="4379040" cy="5143320"/>
+            <a:ext cx="4378680" cy="5142960"/>
           </a:xfrm>
           <a:prstGeom prst="roundRect">
             <a:avLst>
@@ -15147,8 +15147,8 @@
         </p:nvSpPr>
         <p:spPr>
           <a:xfrm rot="2744400">
-            <a:off x="-280080" y="-25560"/>
-            <a:ext cx="703800" cy="703440"/>
+            <a:off x="-279720" y="-25560"/>
+            <a:ext cx="703440" cy="703080"/>
           </a:xfrm>
           <a:prstGeom prst="roundRect">
             <a:avLst>
@@ -15185,8 +15185,8 @@
         </p:nvSpPr>
         <p:spPr>
           <a:xfrm rot="2625600">
-            <a:off x="4861080" y="4146480"/>
-            <a:ext cx="467640" cy="467640"/>
+            <a:off x="4861080" y="4146120"/>
+            <a:ext cx="467280" cy="467280"/>
           </a:xfrm>
           <a:prstGeom prst="roundRect">
             <a:avLst>
@@ -15260,8 +15260,8 @@
         </p:nvSpPr>
         <p:spPr>
           <a:xfrm rot="2744400">
-            <a:off x="-349200" y="4539600"/>
-            <a:ext cx="703800" cy="703440"/>
+            <a:off x="-348840" y="4539240"/>
+            <a:ext cx="703440" cy="703080"/>
           </a:xfrm>
           <a:prstGeom prst="roundRect">
             <a:avLst>
@@ -15298,8 +15298,8 @@
         </p:nvSpPr>
         <p:spPr>
           <a:xfrm rot="19228200">
-            <a:off x="5845680" y="-2265840"/>
-            <a:ext cx="4854600" cy="7725600"/>
+            <a:off x="5845680" y="-2265480"/>
+            <a:ext cx="4854240" cy="7725240"/>
           </a:xfrm>
           <a:prstGeom prst="roundRect">
             <a:avLst>
@@ -15337,9 +15337,9 @@
         <p:grpSpPr>
           <a:xfrm>
             <a:off x="4571640" y="828000"/>
-            <a:ext cx="4467600" cy="3563640"/>
+            <a:ext cx="4467240" cy="3563280"/>
             <a:chOff x="4571640" y="828000"/>
-            <a:chExt cx="4467600" cy="3563640"/>
+            <a:chExt cx="4467240" cy="3563280"/>
           </a:xfrm>
         </p:grpSpPr>
         <p:pic>
@@ -15355,7 +15355,7 @@
           <p:spPr>
             <a:xfrm>
               <a:off x="4571640" y="828000"/>
-              <a:ext cx="4467600" cy="3563640"/>
+              <a:ext cx="4467240" cy="3563280"/>
             </a:xfrm>
             <a:prstGeom prst="rect">
               <a:avLst/>
@@ -15373,8 +15373,8 @@
           </p:nvSpPr>
           <p:spPr>
             <a:xfrm rot="16200000">
-              <a:off x="5962680" y="1159560"/>
-              <a:ext cx="1736640" cy="2770560"/>
+              <a:off x="5962680" y="1159920"/>
+              <a:ext cx="1736280" cy="2770200"/>
             </a:xfrm>
             <a:prstGeom prst="roundRect">
               <a:avLst>
@@ -15441,7 +15441,7 @@
         <p:spPr>
           <a:xfrm>
             <a:off x="586440" y="1246680"/>
-            <a:ext cx="4003560" cy="3599280"/>
+            <a:ext cx="4003200" cy="3598920"/>
           </a:xfrm>
           <a:prstGeom prst="rect">
             <a:avLst/>
@@ -15493,7 +15493,7 @@
         <p:spPr>
           <a:xfrm>
             <a:off x="5446080" y="1672200"/>
-            <a:ext cx="2779560" cy="1736640"/>
+            <a:ext cx="2779200" cy="1736280"/>
           </a:xfrm>
           <a:prstGeom prst="rect">
             <a:avLst/>
@@ -15545,7 +15545,7 @@
         <p:spPr>
           <a:xfrm>
             <a:off x="586440" y="453960"/>
-            <a:ext cx="3696120" cy="854640"/>
+            <a:ext cx="3695760" cy="854280"/>
           </a:xfrm>
           <a:prstGeom prst="rect">
             <a:avLst/>
@@ -15634,7 +15634,7 @@
         <p:spPr>
           <a:xfrm>
             <a:off x="4222080" y="1246680"/>
-            <a:ext cx="4114440" cy="3599280"/>
+            <a:ext cx="4114080" cy="3598920"/>
           </a:xfrm>
           <a:prstGeom prst="rect">
             <a:avLst/>
@@ -15685,8 +15685,8 @@
         </p:nvSpPr>
         <p:spPr>
           <a:xfrm rot="16200000">
-            <a:off x="-2181600" y="1734120"/>
-            <a:ext cx="5143320" cy="1683360"/>
+            <a:off x="-2181600" y="1734480"/>
+            <a:ext cx="5142960" cy="1683000"/>
           </a:xfrm>
           <a:prstGeom prst="roundRect">
             <a:avLst>
@@ -15723,8 +15723,8 @@
         </p:nvSpPr>
         <p:spPr>
           <a:xfrm rot="2745000">
-            <a:off x="8575200" y="103320"/>
-            <a:ext cx="1131840" cy="1131480"/>
+            <a:off x="8575200" y="102960"/>
+            <a:ext cx="1131480" cy="1131120"/>
           </a:xfrm>
           <a:prstGeom prst="roundRect">
             <a:avLst>
@@ -15761,8 +15761,8 @@
         </p:nvSpPr>
         <p:spPr>
           <a:xfrm rot="16200000">
-            <a:off x="614880" y="919440"/>
-            <a:ext cx="3231360" cy="3313080"/>
+            <a:off x="614880" y="919800"/>
+            <a:ext cx="3231000" cy="3312720"/>
           </a:xfrm>
           <a:prstGeom prst="roundRect">
             <a:avLst>
@@ -15828,7 +15828,7 @@
         <p:spPr>
           <a:xfrm>
             <a:off x="4214160" y="456120"/>
-            <a:ext cx="4111200" cy="854640"/>
+            <a:ext cx="4110840" cy="854280"/>
           </a:xfrm>
           <a:prstGeom prst="rect">
             <a:avLst/>
@@ -15916,8 +15916,8 @@
         </p:nvSpPr>
         <p:spPr>
           <a:xfrm rot="2744400">
-            <a:off x="-349200" y="4539600"/>
-            <a:ext cx="703800" cy="703440"/>
+            <a:off x="-348840" y="4539240"/>
+            <a:ext cx="703440" cy="703080"/>
           </a:xfrm>
           <a:prstGeom prst="roundRect">
             <a:avLst>
@@ -15954,8 +15954,8 @@
         </p:nvSpPr>
         <p:spPr>
           <a:xfrm rot="19228200">
-            <a:off x="5845680" y="-2265840"/>
-            <a:ext cx="4854600" cy="7725600"/>
+            <a:off x="5845680" y="-2265480"/>
+            <a:ext cx="4854240" cy="7725240"/>
           </a:xfrm>
           <a:prstGeom prst="roundRect">
             <a:avLst>
@@ -15993,9 +15993,9 @@
         <p:grpSpPr>
           <a:xfrm>
             <a:off x="4571640" y="828000"/>
-            <a:ext cx="4467600" cy="3563640"/>
+            <a:ext cx="4467240" cy="3563280"/>
             <a:chOff x="4571640" y="828000"/>
-            <a:chExt cx="4467600" cy="3563640"/>
+            <a:chExt cx="4467240" cy="3563280"/>
           </a:xfrm>
         </p:grpSpPr>
         <p:pic>
@@ -16011,7 +16011,7 @@
           <p:spPr>
             <a:xfrm>
               <a:off x="4571640" y="828000"/>
-              <a:ext cx="4467600" cy="3563640"/>
+              <a:ext cx="4467240" cy="3563280"/>
             </a:xfrm>
             <a:prstGeom prst="rect">
               <a:avLst/>
@@ -16029,8 +16029,8 @@
           </p:nvSpPr>
           <p:spPr>
             <a:xfrm rot="16200000">
-              <a:off x="5962680" y="1159560"/>
-              <a:ext cx="1736640" cy="2770560"/>
+              <a:off x="5962680" y="1159920"/>
+              <a:ext cx="1736280" cy="2770200"/>
             </a:xfrm>
             <a:prstGeom prst="roundRect">
               <a:avLst>
@@ -16097,7 +16097,7 @@
         <p:spPr>
           <a:xfrm>
             <a:off x="586440" y="1246680"/>
-            <a:ext cx="4003560" cy="3599280"/>
+            <a:ext cx="4003200" cy="3598920"/>
           </a:xfrm>
           <a:prstGeom prst="rect">
             <a:avLst/>
@@ -16149,7 +16149,7 @@
         <p:spPr>
           <a:xfrm>
             <a:off x="5446080" y="1672200"/>
-            <a:ext cx="2779560" cy="1736640"/>
+            <a:ext cx="2779200" cy="1736280"/>
           </a:xfrm>
           <a:prstGeom prst="rect">
             <a:avLst/>
@@ -16201,7 +16201,7 @@
         <p:spPr>
           <a:xfrm>
             <a:off x="586440" y="453960"/>
-            <a:ext cx="3696120" cy="854640"/>
+            <a:ext cx="3695760" cy="854280"/>
           </a:xfrm>
           <a:prstGeom prst="rect">
             <a:avLst/>
@@ -16289,8 +16289,8 @@
         </p:nvSpPr>
         <p:spPr>
           <a:xfrm rot="2744400">
-            <a:off x="-280080" y="-25560"/>
-            <a:ext cx="703800" cy="703440"/>
+            <a:off x="-279720" y="-25560"/>
+            <a:ext cx="703440" cy="703080"/>
           </a:xfrm>
           <a:prstGeom prst="roundRect">
             <a:avLst>
@@ -16328,7 +16328,7 @@
         <p:spPr>
           <a:xfrm rot="2332200">
             <a:off x="6009120" y="-319680"/>
-            <a:ext cx="4854960" cy="7725960"/>
+            <a:ext cx="4854600" cy="7725600"/>
           </a:xfrm>
           <a:prstGeom prst="roundRect">
             <a:avLst>
@@ -16366,9 +16366,9 @@
         <p:grpSpPr>
           <a:xfrm>
             <a:off x="4571640" y="828000"/>
-            <a:ext cx="4467600" cy="3563640"/>
+            <a:ext cx="4467240" cy="3563280"/>
             <a:chOff x="4571640" y="828000"/>
-            <a:chExt cx="4467600" cy="3563640"/>
+            <a:chExt cx="4467240" cy="3563280"/>
           </a:xfrm>
         </p:grpSpPr>
         <p:pic>
@@ -16384,7 +16384,7 @@
           <p:spPr>
             <a:xfrm>
               <a:off x="4571640" y="828000"/>
-              <a:ext cx="4467600" cy="3563640"/>
+              <a:ext cx="4467240" cy="3563280"/>
             </a:xfrm>
             <a:prstGeom prst="rect">
               <a:avLst/>
@@ -16402,8 +16402,8 @@
           </p:nvSpPr>
           <p:spPr>
             <a:xfrm rot="16200000">
-              <a:off x="5962680" y="1159560"/>
-              <a:ext cx="1736640" cy="2770560"/>
+              <a:off x="5962680" y="1159920"/>
+              <a:ext cx="1736280" cy="2770200"/>
             </a:xfrm>
             <a:prstGeom prst="roundRect">
               <a:avLst>
@@ -16470,7 +16470,7 @@
         <p:spPr>
           <a:xfrm>
             <a:off x="5446080" y="1672200"/>
-            <a:ext cx="2770200" cy="1736640"/>
+            <a:ext cx="2769840" cy="1736280"/>
           </a:xfrm>
           <a:prstGeom prst="rect">
             <a:avLst/>
@@ -16522,7 +16522,7 @@
         <p:spPr>
           <a:xfrm>
             <a:off x="586440" y="1246680"/>
-            <a:ext cx="4003560" cy="3599280"/>
+            <a:ext cx="4003200" cy="3598920"/>
           </a:xfrm>
           <a:prstGeom prst="rect">
             <a:avLst/>
@@ -16574,7 +16574,7 @@
         <p:spPr>
           <a:xfrm>
             <a:off x="586440" y="453960"/>
-            <a:ext cx="4763520" cy="854640"/>
+            <a:ext cx="4763160" cy="854280"/>
           </a:xfrm>
           <a:prstGeom prst="rect">
             <a:avLst/>
@@ -16662,8 +16662,8 @@
         </p:nvSpPr>
         <p:spPr>
           <a:xfrm rot="2745600">
-            <a:off x="8349840" y="-668160"/>
-            <a:ext cx="1497600" cy="1497600"/>
+            <a:off x="8349840" y="-667800"/>
+            <a:ext cx="1497240" cy="1497240"/>
           </a:xfrm>
           <a:prstGeom prst="roundRect">
             <a:avLst>
@@ -16701,7 +16701,7 @@
         <p:spPr>
           <a:xfrm rot="2745600">
             <a:off x="7634160" y="-322200"/>
-            <a:ext cx="806400" cy="806760"/>
+            <a:ext cx="806040" cy="806400"/>
           </a:xfrm>
           <a:prstGeom prst="roundRect">
             <a:avLst>
@@ -16740,7 +16740,7 @@
         <p:spPr>
           <a:xfrm>
             <a:off x="586440" y="899640"/>
-            <a:ext cx="7931160" cy="1536480"/>
+            <a:ext cx="7930800" cy="1536120"/>
           </a:xfrm>
           <a:prstGeom prst="rect">
             <a:avLst/>
@@ -16792,7 +16792,7 @@
         <p:spPr>
           <a:xfrm>
             <a:off x="608040" y="2545560"/>
-            <a:ext cx="3711600" cy="2255040"/>
+            <a:ext cx="3711240" cy="2254680"/>
           </a:xfrm>
           <a:prstGeom prst="rect">
             <a:avLst/>
@@ -16844,7 +16844,7 @@
         <p:spPr>
           <a:xfrm>
             <a:off x="4806360" y="2545560"/>
-            <a:ext cx="3711600" cy="2255040"/>
+            <a:ext cx="3711240" cy="2254680"/>
           </a:xfrm>
           <a:prstGeom prst="rect">
             <a:avLst/>
@@ -16896,7 +16896,7 @@
         <p:spPr>
           <a:xfrm>
             <a:off x="583200" y="450720"/>
-            <a:ext cx="7197480" cy="511560"/>
+            <a:ext cx="7197120" cy="511200"/>
           </a:xfrm>
           <a:prstGeom prst="rect">
             <a:avLst/>
@@ -16978,7 +16978,7 @@
         <p:spPr>
           <a:xfrm>
             <a:off x="586440" y="1246680"/>
-            <a:ext cx="4003560" cy="3599280"/>
+            <a:ext cx="4003200" cy="3598920"/>
           </a:xfrm>
           <a:prstGeom prst="rect">
             <a:avLst/>
@@ -17030,7 +17030,7 @@
         <p:spPr>
           <a:xfrm>
             <a:off x="559800" y="446040"/>
-            <a:ext cx="4282920" cy="682920"/>
+            <a:ext cx="4282560" cy="682560"/>
           </a:xfrm>
           <a:prstGeom prst="rect">
             <a:avLst/>
@@ -17082,7 +17082,7 @@
         <p:spPr>
           <a:xfrm>
             <a:off x="5097600" y="360"/>
-            <a:ext cx="4379040" cy="5143320"/>
+            <a:ext cx="4378680" cy="5142960"/>
           </a:xfrm>
           <a:prstGeom prst="roundRect">
             <a:avLst>
@@ -17147,8 +17147,8 @@
         </p:nvSpPr>
         <p:spPr>
           <a:xfrm rot="2744400">
-            <a:off x="-280080" y="-25560"/>
-            <a:ext cx="703800" cy="703440"/>
+            <a:off x="-279720" y="-25560"/>
+            <a:ext cx="703440" cy="703080"/>
           </a:xfrm>
           <a:prstGeom prst="roundRect">
             <a:avLst>
@@ -17185,8 +17185,8 @@
         </p:nvSpPr>
         <p:spPr>
           <a:xfrm rot="2625600">
-            <a:off x="4861080" y="4146480"/>
-            <a:ext cx="467640" cy="467640"/>
+            <a:off x="4861080" y="4146120"/>
+            <a:ext cx="467280" cy="467280"/>
           </a:xfrm>
           <a:prstGeom prst="roundRect">
             <a:avLst>
@@ -17260,8 +17260,8 @@
         </p:nvSpPr>
         <p:spPr>
           <a:xfrm rot="2744400">
-            <a:off x="-349200" y="4539600"/>
-            <a:ext cx="703800" cy="703440"/>
+            <a:off x="-348840" y="4539240"/>
+            <a:ext cx="703440" cy="703080"/>
           </a:xfrm>
           <a:prstGeom prst="roundRect">
             <a:avLst>
@@ -17298,8 +17298,8 @@
         </p:nvSpPr>
         <p:spPr>
           <a:xfrm rot="19228200">
-            <a:off x="5845680" y="-2265840"/>
-            <a:ext cx="4854600" cy="7725600"/>
+            <a:off x="5845680" y="-2265480"/>
+            <a:ext cx="4854240" cy="7725240"/>
           </a:xfrm>
           <a:prstGeom prst="roundRect">
             <a:avLst>
@@ -17337,9 +17337,9 @@
         <p:grpSpPr>
           <a:xfrm>
             <a:off x="4571640" y="828000"/>
-            <a:ext cx="4467600" cy="3563640"/>
+            <a:ext cx="4467240" cy="3563280"/>
             <a:chOff x="4571640" y="828000"/>
-            <a:chExt cx="4467600" cy="3563640"/>
+            <a:chExt cx="4467240" cy="3563280"/>
           </a:xfrm>
         </p:grpSpPr>
         <p:pic>
@@ -17355,7 +17355,7 @@
           <p:spPr>
             <a:xfrm>
               <a:off x="4571640" y="828000"/>
-              <a:ext cx="4467600" cy="3563640"/>
+              <a:ext cx="4467240" cy="3563280"/>
             </a:xfrm>
             <a:prstGeom prst="rect">
               <a:avLst/>
@@ -17373,8 +17373,8 @@
           </p:nvSpPr>
           <p:spPr>
             <a:xfrm rot="16200000">
-              <a:off x="5962680" y="1159560"/>
-              <a:ext cx="1736640" cy="2770560"/>
+              <a:off x="5962680" y="1159920"/>
+              <a:ext cx="1736280" cy="2770200"/>
             </a:xfrm>
             <a:prstGeom prst="roundRect">
               <a:avLst>
@@ -17441,7 +17441,7 @@
         <p:spPr>
           <a:xfrm>
             <a:off x="586440" y="1246680"/>
-            <a:ext cx="4003560" cy="3599280"/>
+            <a:ext cx="4003200" cy="3598920"/>
           </a:xfrm>
           <a:prstGeom prst="rect">
             <a:avLst/>
@@ -17493,7 +17493,7 @@
         <p:spPr>
           <a:xfrm>
             <a:off x="5446080" y="1672200"/>
-            <a:ext cx="2779560" cy="1736640"/>
+            <a:ext cx="2779200" cy="1736280"/>
           </a:xfrm>
           <a:prstGeom prst="rect">
             <a:avLst/>
@@ -17545,7 +17545,7 @@
         <p:spPr>
           <a:xfrm>
             <a:off x="586440" y="453960"/>
-            <a:ext cx="3696120" cy="854640"/>
+            <a:ext cx="3695760" cy="854280"/>
           </a:xfrm>
           <a:prstGeom prst="rect">
             <a:avLst/>
@@ -17634,7 +17634,7 @@
         <p:spPr>
           <a:xfrm>
             <a:off x="4222080" y="1246680"/>
-            <a:ext cx="4114440" cy="3599280"/>
+            <a:ext cx="4114080" cy="3598920"/>
           </a:xfrm>
           <a:prstGeom prst="rect">
             <a:avLst/>
@@ -17685,8 +17685,8 @@
         </p:nvSpPr>
         <p:spPr>
           <a:xfrm rot="16200000">
-            <a:off x="-2181600" y="1734120"/>
-            <a:ext cx="5143320" cy="1683360"/>
+            <a:off x="-2181600" y="1734480"/>
+            <a:ext cx="5142960" cy="1683000"/>
           </a:xfrm>
           <a:prstGeom prst="roundRect">
             <a:avLst>
@@ -17723,8 +17723,8 @@
         </p:nvSpPr>
         <p:spPr>
           <a:xfrm rot="2745000">
-            <a:off x="8575200" y="103320"/>
-            <a:ext cx="1131840" cy="1131480"/>
+            <a:off x="8575200" y="102960"/>
+            <a:ext cx="1131480" cy="1131120"/>
           </a:xfrm>
           <a:prstGeom prst="roundRect">
             <a:avLst>
@@ -17761,8 +17761,8 @@
         </p:nvSpPr>
         <p:spPr>
           <a:xfrm rot="16200000">
-            <a:off x="614880" y="919440"/>
-            <a:ext cx="3231360" cy="3313080"/>
+            <a:off x="614880" y="919800"/>
+            <a:ext cx="3231000" cy="3312720"/>
           </a:xfrm>
           <a:prstGeom prst="roundRect">
             <a:avLst>
@@ -17828,7 +17828,7 @@
         <p:spPr>
           <a:xfrm>
             <a:off x="4214160" y="456120"/>
-            <a:ext cx="4111200" cy="854640"/>
+            <a:ext cx="4110840" cy="854280"/>
           </a:xfrm>
           <a:prstGeom prst="rect">
             <a:avLst/>
@@ -17916,8 +17916,8 @@
         </p:nvSpPr>
         <p:spPr>
           <a:xfrm rot="2744400">
-            <a:off x="-280080" y="-25560"/>
-            <a:ext cx="703800" cy="703440"/>
+            <a:off x="-279720" y="-25560"/>
+            <a:ext cx="703440" cy="703080"/>
           </a:xfrm>
           <a:prstGeom prst="roundRect">
             <a:avLst>
@@ -17955,7 +17955,7 @@
         <p:spPr>
           <a:xfrm rot="2332200">
             <a:off x="6009120" y="-319680"/>
-            <a:ext cx="4854960" cy="7725960"/>
+            <a:ext cx="4854600" cy="7725600"/>
           </a:xfrm>
           <a:prstGeom prst="roundRect">
             <a:avLst>
@@ -17993,9 +17993,9 @@
         <p:grpSpPr>
           <a:xfrm>
             <a:off x="4571640" y="828000"/>
-            <a:ext cx="4467600" cy="3563640"/>
+            <a:ext cx="4467240" cy="3563280"/>
             <a:chOff x="4571640" y="828000"/>
-            <a:chExt cx="4467600" cy="3563640"/>
+            <a:chExt cx="4467240" cy="3563280"/>
           </a:xfrm>
         </p:grpSpPr>
         <p:pic>
@@ -18011,7 +18011,7 @@
           <p:spPr>
             <a:xfrm>
               <a:off x="4571640" y="828000"/>
-              <a:ext cx="4467600" cy="3563640"/>
+              <a:ext cx="4467240" cy="3563280"/>
             </a:xfrm>
             <a:prstGeom prst="rect">
               <a:avLst/>
@@ -18029,8 +18029,8 @@
           </p:nvSpPr>
           <p:spPr>
             <a:xfrm rot="16200000">
-              <a:off x="5962680" y="1159560"/>
-              <a:ext cx="1736640" cy="2770560"/>
+              <a:off x="5962680" y="1159920"/>
+              <a:ext cx="1736280" cy="2770200"/>
             </a:xfrm>
             <a:prstGeom prst="roundRect">
               <a:avLst>
@@ -18097,7 +18097,7 @@
         <p:spPr>
           <a:xfrm>
             <a:off x="5446080" y="1672200"/>
-            <a:ext cx="2770200" cy="1736640"/>
+            <a:ext cx="2769840" cy="1736280"/>
           </a:xfrm>
           <a:prstGeom prst="rect">
             <a:avLst/>
@@ -18149,7 +18149,7 @@
         <p:spPr>
           <a:xfrm>
             <a:off x="586440" y="1246680"/>
-            <a:ext cx="4003560" cy="3599280"/>
+            <a:ext cx="4003200" cy="3598920"/>
           </a:xfrm>
           <a:prstGeom prst="rect">
             <a:avLst/>
@@ -18201,7 +18201,7 @@
         <p:spPr>
           <a:xfrm>
             <a:off x="586440" y="453960"/>
-            <a:ext cx="4763520" cy="854640"/>
+            <a:ext cx="4763160" cy="854280"/>
           </a:xfrm>
           <a:prstGeom prst="rect">
             <a:avLst/>
@@ -18289,8 +18289,8 @@
         </p:nvSpPr>
         <p:spPr>
           <a:xfrm rot="2745600">
-            <a:off x="8349840" y="-668160"/>
-            <a:ext cx="1497600" cy="1497600"/>
+            <a:off x="8349840" y="-667800"/>
+            <a:ext cx="1497240" cy="1497240"/>
           </a:xfrm>
           <a:prstGeom prst="roundRect">
             <a:avLst>
@@ -18328,7 +18328,7 @@
         <p:spPr>
           <a:xfrm rot="2745600">
             <a:off x="7634160" y="-322200"/>
-            <a:ext cx="806400" cy="806760"/>
+            <a:ext cx="806040" cy="806400"/>
           </a:xfrm>
           <a:prstGeom prst="roundRect">
             <a:avLst>
@@ -18367,7 +18367,7 @@
         <p:spPr>
           <a:xfrm>
             <a:off x="586440" y="899640"/>
-            <a:ext cx="7931160" cy="1536480"/>
+            <a:ext cx="7930800" cy="1536120"/>
           </a:xfrm>
           <a:prstGeom prst="rect">
             <a:avLst/>
@@ -18419,7 +18419,7 @@
         <p:spPr>
           <a:xfrm>
             <a:off x="608040" y="2545560"/>
-            <a:ext cx="3711600" cy="2255040"/>
+            <a:ext cx="3711240" cy="2254680"/>
           </a:xfrm>
           <a:prstGeom prst="rect">
             <a:avLst/>
@@ -18471,7 +18471,7 @@
         <p:spPr>
           <a:xfrm>
             <a:off x="4806360" y="2545560"/>
-            <a:ext cx="3711600" cy="2255040"/>
+            <a:ext cx="3711240" cy="2254680"/>
           </a:xfrm>
           <a:prstGeom prst="rect">
             <a:avLst/>
@@ -18523,7 +18523,7 @@
         <p:spPr>
           <a:xfrm>
             <a:off x="583200" y="450720"/>
-            <a:ext cx="7197480" cy="511560"/>
+            <a:ext cx="7197120" cy="511200"/>
           </a:xfrm>
           <a:prstGeom prst="rect">
             <a:avLst/>
@@ -18605,7 +18605,7 @@
         <p:spPr>
           <a:xfrm>
             <a:off x="586440" y="1246680"/>
-            <a:ext cx="4003560" cy="3599280"/>
+            <a:ext cx="4003200" cy="3598920"/>
           </a:xfrm>
           <a:prstGeom prst="rect">
             <a:avLst/>
@@ -18657,7 +18657,7 @@
         <p:spPr>
           <a:xfrm>
             <a:off x="559800" y="446040"/>
-            <a:ext cx="4282920" cy="682920"/>
+            <a:ext cx="4282560" cy="682560"/>
           </a:xfrm>
           <a:prstGeom prst="rect">
             <a:avLst/>
@@ -18709,7 +18709,7 @@
         <p:spPr>
           <a:xfrm>
             <a:off x="5097600" y="360"/>
-            <a:ext cx="4379040" cy="5143320"/>
+            <a:ext cx="4378680" cy="5142960"/>
           </a:xfrm>
           <a:prstGeom prst="roundRect">
             <a:avLst>
@@ -18774,8 +18774,8 @@
         </p:nvSpPr>
         <p:spPr>
           <a:xfrm rot="2744400">
-            <a:off x="-280080" y="-25560"/>
-            <a:ext cx="703800" cy="703440"/>
+            <a:off x="-279720" y="-25560"/>
+            <a:ext cx="703440" cy="703080"/>
           </a:xfrm>
           <a:prstGeom prst="roundRect">
             <a:avLst>
@@ -18812,8 +18812,8 @@
         </p:nvSpPr>
         <p:spPr>
           <a:xfrm rot="2625600">
-            <a:off x="4861080" y="4146480"/>
-            <a:ext cx="467640" cy="467640"/>
+            <a:off x="4861080" y="4146120"/>
+            <a:ext cx="467280" cy="467280"/>
           </a:xfrm>
           <a:prstGeom prst="roundRect">
             <a:avLst>
@@ -18887,8 +18887,8 @@
         </p:nvSpPr>
         <p:spPr>
           <a:xfrm rot="2744400">
-            <a:off x="-349200" y="4539600"/>
-            <a:ext cx="703800" cy="703440"/>
+            <a:off x="-348840" y="4539240"/>
+            <a:ext cx="703440" cy="703080"/>
           </a:xfrm>
           <a:prstGeom prst="roundRect">
             <a:avLst>
@@ -18925,8 +18925,8 @@
         </p:nvSpPr>
         <p:spPr>
           <a:xfrm rot="19228200">
-            <a:off x="5845680" y="-2265840"/>
-            <a:ext cx="4854600" cy="7725600"/>
+            <a:off x="5845680" y="-2265480"/>
+            <a:ext cx="4854240" cy="7725240"/>
           </a:xfrm>
           <a:prstGeom prst="roundRect">
             <a:avLst>
@@ -18964,9 +18964,9 @@
         <p:grpSpPr>
           <a:xfrm>
             <a:off x="4571640" y="828000"/>
-            <a:ext cx="4467600" cy="3563640"/>
+            <a:ext cx="4467240" cy="3563280"/>
             <a:chOff x="4571640" y="828000"/>
-            <a:chExt cx="4467600" cy="3563640"/>
+            <a:chExt cx="4467240" cy="3563280"/>
           </a:xfrm>
         </p:grpSpPr>
         <p:pic>
@@ -18982,7 +18982,7 @@
           <p:spPr>
             <a:xfrm>
               <a:off x="4571640" y="828000"/>
-              <a:ext cx="4467600" cy="3563640"/>
+              <a:ext cx="4467240" cy="3563280"/>
             </a:xfrm>
             <a:prstGeom prst="rect">
               <a:avLst/>
@@ -19000,8 +19000,8 @@
           </p:nvSpPr>
           <p:spPr>
             <a:xfrm rot="16200000">
-              <a:off x="5962680" y="1159560"/>
-              <a:ext cx="1736640" cy="2770560"/>
+              <a:off x="5962680" y="1159920"/>
+              <a:ext cx="1736280" cy="2770200"/>
             </a:xfrm>
             <a:prstGeom prst="roundRect">
               <a:avLst>
@@ -19068,7 +19068,7 @@
         <p:spPr>
           <a:xfrm>
             <a:off x="586440" y="1246680"/>
-            <a:ext cx="4003560" cy="3599280"/>
+            <a:ext cx="4003200" cy="3598920"/>
           </a:xfrm>
           <a:prstGeom prst="rect">
             <a:avLst/>
@@ -19120,7 +19120,7 @@
         <p:spPr>
           <a:xfrm>
             <a:off x="5446080" y="1672200"/>
-            <a:ext cx="2779560" cy="1736640"/>
+            <a:ext cx="2779200" cy="1736280"/>
           </a:xfrm>
           <a:prstGeom prst="rect">
             <a:avLst/>
@@ -19172,7 +19172,7 @@
         <p:spPr>
           <a:xfrm>
             <a:off x="586440" y="453960"/>
-            <a:ext cx="3696120" cy="854640"/>
+            <a:ext cx="3695760" cy="854280"/>
           </a:xfrm>
           <a:prstGeom prst="rect">
             <a:avLst/>
@@ -19261,7 +19261,7 @@
         <p:spPr>
           <a:xfrm>
             <a:off x="4222080" y="1246680"/>
-            <a:ext cx="4114440" cy="3599280"/>
+            <a:ext cx="4114080" cy="3598920"/>
           </a:xfrm>
           <a:prstGeom prst="rect">
             <a:avLst/>
@@ -19312,8 +19312,8 @@
         </p:nvSpPr>
         <p:spPr>
           <a:xfrm rot="16200000">
-            <a:off x="-2181600" y="1734120"/>
-            <a:ext cx="5143320" cy="1683360"/>
+            <a:off x="-2181600" y="1734480"/>
+            <a:ext cx="5142960" cy="1683000"/>
           </a:xfrm>
           <a:prstGeom prst="roundRect">
             <a:avLst>
@@ -19350,8 +19350,8 @@
         </p:nvSpPr>
         <p:spPr>
           <a:xfrm rot="2745000">
-            <a:off x="8575200" y="103320"/>
-            <a:ext cx="1131840" cy="1131480"/>
+            <a:off x="8575200" y="102960"/>
+            <a:ext cx="1131480" cy="1131120"/>
           </a:xfrm>
           <a:prstGeom prst="roundRect">
             <a:avLst>
@@ -19388,8 +19388,8 @@
         </p:nvSpPr>
         <p:spPr>
           <a:xfrm rot="16200000">
-            <a:off x="614880" y="919440"/>
-            <a:ext cx="3231360" cy="3313080"/>
+            <a:off x="614880" y="919800"/>
+            <a:ext cx="3231000" cy="3312720"/>
           </a:xfrm>
           <a:prstGeom prst="roundRect">
             <a:avLst>
@@ -19455,7 +19455,7 @@
         <p:spPr>
           <a:xfrm>
             <a:off x="4214160" y="456120"/>
-            <a:ext cx="4111200" cy="854640"/>
+            <a:ext cx="4110840" cy="854280"/>
           </a:xfrm>
           <a:prstGeom prst="rect">
             <a:avLst/>
@@ -19544,7 +19544,7 @@
         <p:spPr>
           <a:xfrm>
             <a:off x="4222080" y="1246680"/>
-            <a:ext cx="4114440" cy="3599280"/>
+            <a:ext cx="4114080" cy="3598920"/>
           </a:xfrm>
           <a:prstGeom prst="rect">
             <a:avLst/>
@@ -19595,8 +19595,8 @@
         </p:nvSpPr>
         <p:spPr>
           <a:xfrm rot="16200000">
-            <a:off x="-2181600" y="1734120"/>
-            <a:ext cx="5143320" cy="1683360"/>
+            <a:off x="-2181600" y="1734480"/>
+            <a:ext cx="5142960" cy="1683000"/>
           </a:xfrm>
           <a:prstGeom prst="roundRect">
             <a:avLst>
@@ -19633,8 +19633,8 @@
         </p:nvSpPr>
         <p:spPr>
           <a:xfrm rot="2745000">
-            <a:off x="8575200" y="103320"/>
-            <a:ext cx="1131840" cy="1131480"/>
+            <a:off x="8575200" y="102960"/>
+            <a:ext cx="1131480" cy="1131120"/>
           </a:xfrm>
           <a:prstGeom prst="roundRect">
             <a:avLst>
@@ -19671,8 +19671,8 @@
         </p:nvSpPr>
         <p:spPr>
           <a:xfrm rot="16200000">
-            <a:off x="614880" y="919440"/>
-            <a:ext cx="3231360" cy="3313080"/>
+            <a:off x="614880" y="919800"/>
+            <a:ext cx="3231000" cy="3312720"/>
           </a:xfrm>
           <a:prstGeom prst="roundRect">
             <a:avLst>
@@ -19738,7 +19738,7 @@
         <p:spPr>
           <a:xfrm>
             <a:off x="4214160" y="456120"/>
-            <a:ext cx="4111200" cy="854640"/>
+            <a:ext cx="4110840" cy="854280"/>
           </a:xfrm>
           <a:prstGeom prst="rect">
             <a:avLst/>
@@ -19826,8 +19826,8 @@
         </p:nvSpPr>
         <p:spPr>
           <a:xfrm rot="2744400">
-            <a:off x="-280080" y="-25560"/>
-            <a:ext cx="703800" cy="703440"/>
+            <a:off x="-279720" y="-25560"/>
+            <a:ext cx="703440" cy="703080"/>
           </a:xfrm>
           <a:prstGeom prst="roundRect">
             <a:avLst>
@@ -19865,7 +19865,7 @@
         <p:spPr>
           <a:xfrm>
             <a:off x="569160" y="1888920"/>
-            <a:ext cx="4820400" cy="820800"/>
+            <a:ext cx="4820040" cy="820800"/>
           </a:xfrm>
           <a:prstGeom prst="rect">
             <a:avLst/>
@@ -19916,8 +19916,8 @@
         </p:nvSpPr>
         <p:spPr>
           <a:xfrm rot="18679800">
-            <a:off x="6782040" y="457920"/>
-            <a:ext cx="6249960" cy="4665600"/>
+            <a:off x="6781680" y="457920"/>
+            <a:ext cx="6249600" cy="4665240"/>
           </a:xfrm>
           <a:prstGeom prst="roundRect">
             <a:avLst>
@@ -19954,8 +19954,8 @@
         </p:nvSpPr>
         <p:spPr>
           <a:xfrm rot="2625600">
-            <a:off x="6024960" y="4332600"/>
-            <a:ext cx="467640" cy="467640"/>
+            <a:off x="6024960" y="4332240"/>
+            <a:ext cx="467280" cy="467280"/>
           </a:xfrm>
           <a:prstGeom prst="roundRect">
             <a:avLst>
@@ -19993,7 +19993,7 @@
         <p:spPr>
           <a:xfrm>
             <a:off x="1640880" y="4592880"/>
-            <a:ext cx="2994840" cy="265680"/>
+            <a:ext cx="2994480" cy="265320"/>
           </a:xfrm>
           <a:prstGeom prst="rect">
             <a:avLst/>
@@ -20055,7 +20055,7 @@
         <p:spPr>
           <a:xfrm>
             <a:off x="867240" y="3590280"/>
-            <a:ext cx="252720" cy="253080"/>
+            <a:ext cx="252360" cy="252720"/>
           </a:xfrm>
           <a:prstGeom prst="ellipse">
             <a:avLst/>
@@ -20090,7 +20090,7 @@
         <p:spPr>
           <a:xfrm>
             <a:off x="351000" y="3793320"/>
-            <a:ext cx="1285200" cy="1130760"/>
+            <a:ext cx="1284840" cy="1130400"/>
           </a:xfrm>
           <a:prstGeom prst="rect">
             <a:avLst/>
@@ -20145,8 +20145,8 @@
         </p:nvSpPr>
         <p:spPr>
           <a:xfrm rot="2744400">
-            <a:off x="-280080" y="-25560"/>
-            <a:ext cx="703800" cy="703440"/>
+            <a:off x="-279720" y="-25560"/>
+            <a:ext cx="703440" cy="703080"/>
           </a:xfrm>
           <a:prstGeom prst="roundRect">
             <a:avLst>
@@ -20184,7 +20184,7 @@
         <p:spPr>
           <a:xfrm rot="2332200">
             <a:off x="6009120" y="-319680"/>
-            <a:ext cx="4854960" cy="7725960"/>
+            <a:ext cx="4854600" cy="7725600"/>
           </a:xfrm>
           <a:prstGeom prst="roundRect">
             <a:avLst>
@@ -20222,9 +20222,9 @@
         <p:grpSpPr>
           <a:xfrm>
             <a:off x="4571640" y="828000"/>
-            <a:ext cx="4467600" cy="3563640"/>
+            <a:ext cx="4467240" cy="3563280"/>
             <a:chOff x="4571640" y="828000"/>
-            <a:chExt cx="4467600" cy="3563640"/>
+            <a:chExt cx="4467240" cy="3563280"/>
           </a:xfrm>
         </p:grpSpPr>
         <p:pic>
@@ -20240,7 +20240,7 @@
           <p:spPr>
             <a:xfrm>
               <a:off x="4571640" y="828000"/>
-              <a:ext cx="4467600" cy="3563640"/>
+              <a:ext cx="4467240" cy="3563280"/>
             </a:xfrm>
             <a:prstGeom prst="rect">
               <a:avLst/>
@@ -20258,8 +20258,8 @@
           </p:nvSpPr>
           <p:spPr>
             <a:xfrm rot="16200000">
-              <a:off x="5962680" y="1159560"/>
-              <a:ext cx="1736640" cy="2770560"/>
+              <a:off x="5962680" y="1159920"/>
+              <a:ext cx="1736280" cy="2770200"/>
             </a:xfrm>
             <a:prstGeom prst="roundRect">
               <a:avLst>
@@ -20326,7 +20326,7 @@
         <p:spPr>
           <a:xfrm>
             <a:off x="5446080" y="1672200"/>
-            <a:ext cx="2770200" cy="1736640"/>
+            <a:ext cx="2769840" cy="1736280"/>
           </a:xfrm>
           <a:prstGeom prst="rect">
             <a:avLst/>
@@ -20378,7 +20378,7 @@
         <p:spPr>
           <a:xfrm>
             <a:off x="586440" y="1246680"/>
-            <a:ext cx="4003560" cy="3599280"/>
+            <a:ext cx="4003200" cy="3598920"/>
           </a:xfrm>
           <a:prstGeom prst="rect">
             <a:avLst/>
@@ -20430,7 +20430,7 @@
         <p:spPr>
           <a:xfrm>
             <a:off x="586440" y="453960"/>
-            <a:ext cx="4763520" cy="854640"/>
+            <a:ext cx="4763160" cy="854280"/>
           </a:xfrm>
           <a:prstGeom prst="rect">
             <a:avLst/>
@@ -20518,8 +20518,8 @@
         </p:nvSpPr>
         <p:spPr>
           <a:xfrm rot="2745600">
-            <a:off x="8349840" y="-668160"/>
-            <a:ext cx="1497600" cy="1497600"/>
+            <a:off x="8349840" y="-667800"/>
+            <a:ext cx="1497240" cy="1497240"/>
           </a:xfrm>
           <a:prstGeom prst="roundRect">
             <a:avLst>
@@ -20557,7 +20557,7 @@
         <p:spPr>
           <a:xfrm rot="2745600">
             <a:off x="7634160" y="-322200"/>
-            <a:ext cx="806400" cy="806760"/>
+            <a:ext cx="806040" cy="806400"/>
           </a:xfrm>
           <a:prstGeom prst="roundRect">
             <a:avLst>
@@ -20596,7 +20596,7 @@
         <p:spPr>
           <a:xfrm>
             <a:off x="586440" y="899640"/>
-            <a:ext cx="7931160" cy="1536480"/>
+            <a:ext cx="7930800" cy="1536120"/>
           </a:xfrm>
           <a:prstGeom prst="rect">
             <a:avLst/>
@@ -20648,7 +20648,7 @@
         <p:spPr>
           <a:xfrm>
             <a:off x="608040" y="2545560"/>
-            <a:ext cx="3711600" cy="2255040"/>
+            <a:ext cx="3711240" cy="2254680"/>
           </a:xfrm>
           <a:prstGeom prst="rect">
             <a:avLst/>
@@ -20700,7 +20700,7 @@
         <p:spPr>
           <a:xfrm>
             <a:off x="4806360" y="2545560"/>
-            <a:ext cx="3711600" cy="2255040"/>
+            <a:ext cx="3711240" cy="2254680"/>
           </a:xfrm>
           <a:prstGeom prst="rect">
             <a:avLst/>
@@ -20752,7 +20752,7 @@
         <p:spPr>
           <a:xfrm>
             <a:off x="583200" y="450720"/>
-            <a:ext cx="7197480" cy="511560"/>
+            <a:ext cx="7197120" cy="511200"/>
           </a:xfrm>
           <a:prstGeom prst="rect">
             <a:avLst/>
@@ -20834,7 +20834,7 @@
         <p:spPr>
           <a:xfrm>
             <a:off x="586440" y="1246680"/>
-            <a:ext cx="4003560" cy="3599280"/>
+            <a:ext cx="4003200" cy="3598920"/>
           </a:xfrm>
           <a:prstGeom prst="rect">
             <a:avLst/>
@@ -20886,7 +20886,7 @@
         <p:spPr>
           <a:xfrm>
             <a:off x="559800" y="446040"/>
-            <a:ext cx="4282920" cy="682920"/>
+            <a:ext cx="4282560" cy="682560"/>
           </a:xfrm>
           <a:prstGeom prst="rect">
             <a:avLst/>
@@ -20938,7 +20938,7 @@
         <p:spPr>
           <a:xfrm>
             <a:off x="5097600" y="360"/>
-            <a:ext cx="4379040" cy="5143320"/>
+            <a:ext cx="4378680" cy="5142960"/>
           </a:xfrm>
           <a:prstGeom prst="roundRect">
             <a:avLst>
@@ -21003,8 +21003,8 @@
         </p:nvSpPr>
         <p:spPr>
           <a:xfrm rot="2744400">
-            <a:off x="-280080" y="-25560"/>
-            <a:ext cx="703800" cy="703440"/>
+            <a:off x="-279720" y="-25560"/>
+            <a:ext cx="703440" cy="703080"/>
           </a:xfrm>
           <a:prstGeom prst="roundRect">
             <a:avLst>
@@ -21041,8 +21041,8 @@
         </p:nvSpPr>
         <p:spPr>
           <a:xfrm rot="2625600">
-            <a:off x="4861080" y="4146480"/>
-            <a:ext cx="467640" cy="467640"/>
+            <a:off x="4861080" y="4146120"/>
+            <a:ext cx="467280" cy="467280"/>
           </a:xfrm>
           <a:prstGeom prst="roundRect">
             <a:avLst>
@@ -21116,8 +21116,8 @@
         </p:nvSpPr>
         <p:spPr>
           <a:xfrm rot="2744400">
-            <a:off x="-349200" y="4539600"/>
-            <a:ext cx="703800" cy="703440"/>
+            <a:off x="-348840" y="4539240"/>
+            <a:ext cx="703440" cy="703080"/>
           </a:xfrm>
           <a:prstGeom prst="roundRect">
             <a:avLst>
@@ -21154,8 +21154,8 @@
         </p:nvSpPr>
         <p:spPr>
           <a:xfrm rot="19228200">
-            <a:off x="5845680" y="-2265840"/>
-            <a:ext cx="4854600" cy="7725600"/>
+            <a:off x="5845680" y="-2265480"/>
+            <a:ext cx="4854240" cy="7725240"/>
           </a:xfrm>
           <a:prstGeom prst="roundRect">
             <a:avLst>
@@ -21193,9 +21193,9 @@
         <p:grpSpPr>
           <a:xfrm>
             <a:off x="4571640" y="828000"/>
-            <a:ext cx="4467600" cy="3563640"/>
+            <a:ext cx="4467240" cy="3563280"/>
             <a:chOff x="4571640" y="828000"/>
-            <a:chExt cx="4467600" cy="3563640"/>
+            <a:chExt cx="4467240" cy="3563280"/>
           </a:xfrm>
         </p:grpSpPr>
         <p:pic>
@@ -21211,7 +21211,7 @@
           <p:spPr>
             <a:xfrm>
               <a:off x="4571640" y="828000"/>
-              <a:ext cx="4467600" cy="3563640"/>
+              <a:ext cx="4467240" cy="3563280"/>
             </a:xfrm>
             <a:prstGeom prst="rect">
               <a:avLst/>
@@ -21229,8 +21229,8 @@
           </p:nvSpPr>
           <p:spPr>
             <a:xfrm rot="16200000">
-              <a:off x="5962680" y="1159560"/>
-              <a:ext cx="1736640" cy="2770560"/>
+              <a:off x="5962680" y="1159920"/>
+              <a:ext cx="1736280" cy="2770200"/>
             </a:xfrm>
             <a:prstGeom prst="roundRect">
               <a:avLst>
@@ -21297,7 +21297,7 @@
         <p:spPr>
           <a:xfrm>
             <a:off x="586440" y="1246680"/>
-            <a:ext cx="4003560" cy="3599280"/>
+            <a:ext cx="4003200" cy="3598920"/>
           </a:xfrm>
           <a:prstGeom prst="rect">
             <a:avLst/>
@@ -21349,7 +21349,7 @@
         <p:spPr>
           <a:xfrm>
             <a:off x="5446080" y="1672200"/>
-            <a:ext cx="2779560" cy="1736640"/>
+            <a:ext cx="2779200" cy="1736280"/>
           </a:xfrm>
           <a:prstGeom prst="rect">
             <a:avLst/>
@@ -21401,7 +21401,7 @@
         <p:spPr>
           <a:xfrm>
             <a:off x="586440" y="453960"/>
-            <a:ext cx="3696120" cy="854640"/>
+            <a:ext cx="3695760" cy="854280"/>
           </a:xfrm>
           <a:prstGeom prst="rect">
             <a:avLst/>
@@ -21490,7 +21490,7 @@
         <p:spPr>
           <a:xfrm>
             <a:off x="4222080" y="1246680"/>
-            <a:ext cx="4114440" cy="3599280"/>
+            <a:ext cx="4114080" cy="3598920"/>
           </a:xfrm>
           <a:prstGeom prst="rect">
             <a:avLst/>
@@ -21541,8 +21541,8 @@
         </p:nvSpPr>
         <p:spPr>
           <a:xfrm rot="16200000">
-            <a:off x="-2181600" y="1734120"/>
-            <a:ext cx="5143320" cy="1683360"/>
+            <a:off x="-2181600" y="1734480"/>
+            <a:ext cx="5142960" cy="1683000"/>
           </a:xfrm>
           <a:prstGeom prst="roundRect">
             <a:avLst>
@@ -21579,8 +21579,8 @@
         </p:nvSpPr>
         <p:spPr>
           <a:xfrm rot="2745000">
-            <a:off x="8575200" y="103320"/>
-            <a:ext cx="1131840" cy="1131480"/>
+            <a:off x="8575200" y="102960"/>
+            <a:ext cx="1131480" cy="1131120"/>
           </a:xfrm>
           <a:prstGeom prst="roundRect">
             <a:avLst>
@@ -21617,8 +21617,8 @@
         </p:nvSpPr>
         <p:spPr>
           <a:xfrm rot="16200000">
-            <a:off x="614880" y="919440"/>
-            <a:ext cx="3231360" cy="3313080"/>
+            <a:off x="614880" y="919800"/>
+            <a:ext cx="3231000" cy="3312720"/>
           </a:xfrm>
           <a:prstGeom prst="roundRect">
             <a:avLst>
@@ -21684,7 +21684,7 @@
         <p:spPr>
           <a:xfrm>
             <a:off x="4214160" y="456120"/>
-            <a:ext cx="4111200" cy="854640"/>
+            <a:ext cx="4110840" cy="854280"/>
           </a:xfrm>
           <a:prstGeom prst="rect">
             <a:avLst/>
